--- a/doc/SurePark_Initial_Presentation_TEAM3.pptx
+++ b/doc/SurePark_Initial_Presentation_TEAM3.pptx
@@ -193,7 +193,7 @@
       </p14:sectionLst>
     </p:ext>
     <p:ext uri="{EFAFB233-063F-42B5-8137-9DF3F51BA10A}">
-      <p15:sldGuideLst xmlns:p15="http://schemas.microsoft.com/office/powerpoint/2012/main">
+      <p15:sldGuideLst xmlns:p15="http://schemas.microsoft.com/office/powerpoint/2012/main" xmlns="">
         <p15:guide id="1" orient="horz" pos="754" userDrawn="1">
           <p15:clr>
             <a:srgbClr val="A4A3A4"/>
@@ -217,7 +217,7 @@
       </p15:sldGuideLst>
     </p:ext>
     <p:ext uri="{2D200454-40CA-4A62-9FC3-DE9A4176ACB9}">
-      <p15:notesGuideLst xmlns:p15="http://schemas.microsoft.com/office/powerpoint/2012/main">
+      <p15:notesGuideLst xmlns:p15="http://schemas.microsoft.com/office/powerpoint/2012/main" xmlns="">
         <p15:guide id="1" orient="horz" pos="3131">
           <p15:clr>
             <a:srgbClr val="A4A3A4"/>
@@ -343,7 +343,7 @@
               <a:pPr>
                 <a:defRPr/>
               </a:pPr>
-              <a:t>2016. 5. 17.</a:t>
+              <a:t>2016-05-24</a:t>
             </a:fld>
             <a:endParaRPr lang="ko-KR" altLang="en-US"/>
           </a:p>
@@ -562,7 +562,7 @@
               <a:pPr>
                 <a:defRPr/>
               </a:pPr>
-              <a:t>2016. 5. 17.</a:t>
+              <a:t>2016-05-24</a:t>
             </a:fld>
             <a:endParaRPr lang="ko-KR" altLang="en-US"/>
           </a:p>
@@ -6522,14 +6522,14 @@
           <p:nvPr>
             <p:extLst>
               <p:ext uri="{D42A27DB-BD31-4B8C-83A1-F6EECF244321}">
-                <p14:modId xmlns:p14="http://schemas.microsoft.com/office/powerpoint/2010/main" val="1963738798"/>
+                <p14:modId xmlns:p14="http://schemas.microsoft.com/office/powerpoint/2010/main" val="2793603209"/>
               </p:ext>
             </p:extLst>
           </p:nvPr>
         </p:nvGraphicFramePr>
         <p:xfrm>
           <a:off x="641349" y="1196975"/>
-          <a:ext cx="8524875" cy="3907157"/>
+          <a:ext cx="8524875" cy="4346831"/>
         </p:xfrm>
         <a:graphic>
           <a:graphicData uri="http://schemas.openxmlformats.org/drawingml/2006/table">
@@ -6554,7 +6554,7 @@
                         </a:spcAft>
                       </a:pPr>
                       <a:r>
-                        <a:rPr lang="en-US" sz="1400" b="1" kern="0">
+                        <a:rPr lang="en-US" sz="1400" b="1" kern="0" dirty="0">
                           <a:effectLst/>
                           <a:latin typeface="Arial" charset="0"/>
                           <a:ea typeface="맑은 고딕" charset="-127"/>
@@ -6562,7 +6562,7 @@
                         </a:rPr>
                         <a:t>ID: UC02</a:t>
                       </a:r>
-                      <a:endParaRPr lang="ko-KR" sz="1400" kern="100">
+                      <a:endParaRPr lang="ko-KR" sz="1400" kern="100" dirty="0">
                         <a:effectLst/>
                         <a:latin typeface="맑은 고딕" charset="-127"/>
                         <a:ea typeface="맑은 고딕" charset="-127"/>
@@ -6787,7 +6787,7 @@
                           <a:ea typeface="맑은 고딕" charset="-127"/>
                           <a:cs typeface="Times New Roman" charset="0"/>
                         </a:rPr>
-                        <a:t>FR03,</a:t>
+                        <a:t>FR02</a:t>
                       </a:r>
                       <a:r>
                         <a:rPr lang="en-US" sz="1400" kern="0" baseline="0" dirty="0" smtClean="0">
@@ -6796,7 +6796,7 @@
                           <a:ea typeface="맑은 고딕" charset="-127"/>
                           <a:cs typeface="Times New Roman" charset="0"/>
                         </a:rPr>
-                        <a:t> </a:t>
+                        <a:t> ~ </a:t>
                       </a:r>
                       <a:r>
                         <a:rPr lang="en-US" sz="1400" kern="0" dirty="0" smtClean="0">
@@ -7248,19 +7248,19 @@
                         <a:buAutoNum type="arabicParenR"/>
                       </a:pPr>
                       <a:r>
-                        <a:rPr lang="en-US" sz="1400" kern="0" dirty="0">
-                          <a:effectLst/>
-                          <a:latin typeface="Arial" charset="0"/>
-                          <a:ea typeface="맑은 고딕" charset="-127"/>
-                          <a:cs typeface="Times New Roman" charset="0"/>
+                        <a:rPr lang="en-US" altLang="ko-KR" sz="1400" kern="0" dirty="0" smtClean="0">
+                          <a:effectLst/>
+                          <a:latin typeface="Arial"/>
+                          <a:ea typeface="+mn-ea"/>
+                          <a:cs typeface="Times New Roman"/>
                         </a:rPr>
                         <a:t>A driver comes to the gate.</a:t>
                       </a:r>
-                      <a:endParaRPr lang="ko-KR" sz="1400" kern="100" dirty="0">
-                        <a:effectLst/>
-                        <a:latin typeface="맑은 고딕" charset="-127"/>
-                        <a:ea typeface="맑은 고딕" charset="-127"/>
-                        <a:cs typeface="Times New Roman" charset="0"/>
+                      <a:endParaRPr lang="ko-KR" altLang="ko-KR" sz="1400" kern="100" dirty="0" smtClean="0">
+                        <a:effectLst/>
+                        <a:latin typeface="+mn-lt"/>
+                        <a:ea typeface="+mn-ea"/>
+                        <a:cs typeface="Times New Roman"/>
                       </a:endParaRPr>
                     </a:p>
                     <a:p>
@@ -7275,19 +7275,19 @@
                         <a:buAutoNum type="arabicParenR"/>
                       </a:pPr>
                       <a:r>
-                        <a:rPr lang="en-US" sz="1400" kern="0" dirty="0">
-                          <a:effectLst/>
-                          <a:latin typeface="Arial" charset="0"/>
-                          <a:ea typeface="맑은 고딕" charset="-127"/>
-                          <a:cs typeface="Times New Roman" charset="0"/>
-                        </a:rPr>
-                        <a:t>The system detects the presence of a car at the gate.</a:t>
-                      </a:r>
-                      <a:endParaRPr lang="ko-KR" sz="1400" kern="100" dirty="0">
-                        <a:effectLst/>
-                        <a:latin typeface="맑은 고딕" charset="-127"/>
-                        <a:ea typeface="맑은 고딕" charset="-127"/>
-                        <a:cs typeface="Times New Roman" charset="0"/>
+                        <a:rPr lang="en-US" altLang="ko-KR" sz="1400" kern="0" dirty="0" smtClean="0">
+                          <a:effectLst/>
+                          <a:latin typeface="Arial"/>
+                          <a:ea typeface="+mn-ea"/>
+                          <a:cs typeface="Times New Roman"/>
+                        </a:rPr>
+                        <a:t>The system detects the presence of a car at the gate. </a:t>
+                      </a:r>
+                      <a:endParaRPr lang="ko-KR" altLang="ko-KR" sz="1400" kern="100" dirty="0" smtClean="0">
+                        <a:effectLst/>
+                        <a:latin typeface="+mn-lt"/>
+                        <a:ea typeface="+mn-ea"/>
+                        <a:cs typeface="Times New Roman"/>
                       </a:endParaRPr>
                     </a:p>
                     <a:p>
@@ -7302,19 +7302,19 @@
                         <a:buAutoNum type="arabicParenR"/>
                       </a:pPr>
                       <a:r>
-                        <a:rPr lang="en-US" sz="1400" kern="0" dirty="0">
-                          <a:effectLst/>
-                          <a:latin typeface="Arial" charset="0"/>
-                          <a:ea typeface="맑은 고딕" charset="-127"/>
-                          <a:cs typeface="Times New Roman" charset="0"/>
+                        <a:rPr lang="en-US" altLang="ko-KR" sz="1400" kern="0" dirty="0" smtClean="0">
+                          <a:effectLst/>
+                          <a:latin typeface="Arial"/>
+                          <a:ea typeface="+mn-ea"/>
+                          <a:cs typeface="Times New Roman"/>
                         </a:rPr>
                         <a:t>A driver provides confirmation information to system.</a:t>
                       </a:r>
-                      <a:endParaRPr lang="ko-KR" sz="1400" kern="100" dirty="0">
-                        <a:effectLst/>
-                        <a:latin typeface="맑은 고딕" charset="-127"/>
-                        <a:ea typeface="맑은 고딕" charset="-127"/>
-                        <a:cs typeface="Times New Roman" charset="0"/>
+                      <a:endParaRPr lang="ko-KR" altLang="ko-KR" sz="1400" kern="100" dirty="0" smtClean="0">
+                        <a:effectLst/>
+                        <a:latin typeface="+mn-lt"/>
+                        <a:ea typeface="+mn-ea"/>
+                        <a:cs typeface="Times New Roman"/>
                       </a:endParaRPr>
                     </a:p>
                     <a:p>
@@ -7329,31 +7329,31 @@
                         <a:buAutoNum type="arabicParenR"/>
                       </a:pPr>
                       <a:r>
-                        <a:rPr lang="en-US" sz="1400" kern="0" dirty="0">
-                          <a:effectLst/>
-                          <a:latin typeface="Arial" charset="0"/>
-                          <a:ea typeface="맑은 고딕" charset="-127"/>
-                          <a:cs typeface="Times New Roman" charset="0"/>
+                        <a:rPr lang="en-US" altLang="ko-KR" sz="1400" kern="0" dirty="0" smtClean="0">
+                          <a:effectLst/>
+                          <a:latin typeface="Arial"/>
+                          <a:ea typeface="+mn-ea"/>
+                          <a:cs typeface="Times New Roman"/>
                         </a:rPr>
                         <a:t>The system verifies the driver’s information and confirms the </a:t>
                       </a:r>
                       <a:r>
-                        <a:rPr lang="en-US" sz="1400" kern="0" dirty="0">
+                        <a:rPr lang="en-US" altLang="ko-KR" sz="1400" kern="0" dirty="0" smtClean="0">
                           <a:solidFill>
                             <a:srgbClr val="000000"/>
                           </a:solidFill>
                           <a:effectLst/>
-                          <a:latin typeface="Arial" charset="0"/>
-                          <a:ea typeface="맑은 고딕" charset="-127"/>
-                          <a:cs typeface="Times New Roman" charset="0"/>
+                          <a:latin typeface="Arial"/>
+                          <a:ea typeface="+mn-ea"/>
+                          <a:cs typeface="Times New Roman"/>
                         </a:rPr>
                         <a:t>reservation.</a:t>
                       </a:r>
-                      <a:endParaRPr lang="ko-KR" sz="1400" kern="100" dirty="0">
-                        <a:effectLst/>
-                        <a:latin typeface="맑은 고딕" charset="-127"/>
-                        <a:ea typeface="맑은 고딕" charset="-127"/>
-                        <a:cs typeface="Times New Roman" charset="0"/>
+                      <a:endParaRPr lang="ko-KR" altLang="ko-KR" sz="1400" kern="100" dirty="0" smtClean="0">
+                        <a:effectLst/>
+                        <a:latin typeface="+mn-lt"/>
+                        <a:ea typeface="+mn-ea"/>
+                        <a:cs typeface="Times New Roman"/>
                       </a:endParaRPr>
                     </a:p>
                     <a:p>
@@ -7368,46 +7368,22 @@
                         <a:buAutoNum type="arabicParenR"/>
                       </a:pPr>
                       <a:r>
-                        <a:rPr lang="en-US" sz="1400" kern="0" dirty="0">
+                        <a:rPr lang="en-US" altLang="ko-KR" sz="1400" kern="0" dirty="0" smtClean="0">
                           <a:solidFill>
                             <a:srgbClr val="000000"/>
                           </a:solidFill>
                           <a:effectLst/>
-                          <a:latin typeface="Arial" charset="0"/>
-                          <a:ea typeface="맑은 고딕" charset="-127"/>
-                          <a:cs typeface="Times New Roman" charset="0"/>
-                        </a:rPr>
-                        <a:t>The system gives a driver </a:t>
-                      </a:r>
-                      <a:r>
-                        <a:rPr lang="en-US" sz="1400" u="sng" kern="0" dirty="0">
-                          <a:solidFill>
-                            <a:srgbClr val="000000"/>
-                          </a:solidFill>
-                          <a:effectLst/>
-                          <a:latin typeface="Arial" charset="0"/>
-                          <a:ea typeface="맑은 고딕" charset="-127"/>
-                          <a:cs typeface="Times New Roman" charset="0"/>
-                        </a:rPr>
-                        <a:t>a unique alpha-numeric identifier</a:t>
-                      </a:r>
-                      <a:r>
-                        <a:rPr lang="en-US" sz="1400" kern="0" dirty="0">
-                          <a:solidFill>
-                            <a:srgbClr val="000000"/>
-                          </a:solidFill>
-                          <a:effectLst/>
-                          <a:latin typeface="Arial" charset="0"/>
-                          <a:ea typeface="맑은 고딕" charset="-127"/>
-                          <a:cs typeface="Times New Roman" charset="0"/>
-                        </a:rPr>
-                        <a:t>. </a:t>
-                      </a:r>
-                      <a:endParaRPr lang="ko-KR" sz="1400" kern="100" dirty="0">
-                        <a:effectLst/>
-                        <a:latin typeface="맑은 고딕" charset="-127"/>
-                        <a:ea typeface="맑은 고딕" charset="-127"/>
-                        <a:cs typeface="Times New Roman" charset="0"/>
+                          <a:latin typeface="Arial"/>
+                          <a:ea typeface="+mn-ea"/>
+                          <a:cs typeface="Times New Roman"/>
+                        </a:rPr>
+                        <a:t>The system changes the entry gate LED from red to green. </a:t>
+                      </a:r>
+                      <a:endParaRPr lang="ko-KR" altLang="ko-KR" sz="1400" kern="100" dirty="0" smtClean="0">
+                        <a:effectLst/>
+                        <a:latin typeface="+mn-lt"/>
+                        <a:ea typeface="+mn-ea"/>
+                        <a:cs typeface="Times New Roman"/>
                       </a:endParaRPr>
                     </a:p>
                     <a:p>
@@ -7419,16 +7395,33 @@
                           <a:spcPts val="0"/>
                         </a:spcAft>
                         <a:buFont typeface="+mj-lt"/>
-                        <a:buAutoNum type="arabicParenR" startAt="6"/>
-                      </a:pPr>
-                      <a:r>
-                        <a:rPr lang="en-US" sz="1400" kern="0" dirty="0" smtClean="0">
-                          <a:effectLst/>
-                          <a:latin typeface="Arial" charset="0"/>
-                          <a:ea typeface="맑은 고딕" charset="-127"/>
-                          <a:cs typeface="Times New Roman" charset="0"/>
+                        <a:buAutoNum type="arabicParenR"/>
+                      </a:pPr>
+                      <a:r>
+                        <a:rPr lang="en-US" altLang="ko-KR" sz="1400" kern="0" dirty="0" smtClean="0">
+                          <a:effectLst/>
+                          <a:latin typeface="Arial"/>
+                          <a:ea typeface="+mn-ea"/>
+                          <a:cs typeface="Times New Roman"/>
                         </a:rPr>
                         <a:t>The system lifts the entry gate and allows the driver to enter the facility.</a:t>
+                      </a:r>
+                      <a:r>
+                        <a:rPr lang="en-US" altLang="ko-KR" sz="1400" kern="100" baseline="0" dirty="0" smtClean="0">
+                          <a:effectLst/>
+                          <a:latin typeface="+mn-lt"/>
+                          <a:ea typeface="+mn-ea"/>
+                          <a:cs typeface="Times New Roman"/>
+                        </a:rPr>
+                        <a:t> </a:t>
+                      </a:r>
+                      <a:r>
+                        <a:rPr lang="en-US" altLang="ko-KR" sz="1400" kern="0" dirty="0" smtClean="0">
+                          <a:effectLst/>
+                          <a:latin typeface="Arial"/>
+                          <a:ea typeface="+mn-ea"/>
+                        </a:rPr>
+                        <a:t>After the driver passed the gate, the system close the entry gate and change the LED to red.</a:t>
                       </a:r>
                       <a:endParaRPr lang="ko-KR" sz="1400" kern="100" dirty="0">
                         <a:effectLst/>
@@ -8141,14 +8134,14 @@
           <p:nvPr>
             <p:extLst>
               <p:ext uri="{D42A27DB-BD31-4B8C-83A1-F6EECF244321}">
-                <p14:modId xmlns:p14="http://schemas.microsoft.com/office/powerpoint/2010/main" val="333711662"/>
+                <p14:modId xmlns:p14="http://schemas.microsoft.com/office/powerpoint/2010/main" val="2047479652"/>
               </p:ext>
             </p:extLst>
           </p:nvPr>
         </p:nvGraphicFramePr>
         <p:xfrm>
           <a:off x="653993" y="1196975"/>
-          <a:ext cx="8512232" cy="4237041"/>
+          <a:ext cx="8512232" cy="3174240"/>
         </p:xfrm>
         <a:graphic>
           <a:graphicData uri="http://schemas.openxmlformats.org/drawingml/2006/table">
@@ -8173,7 +8166,7 @@
                         </a:spcAft>
                       </a:pPr>
                       <a:r>
-                        <a:rPr lang="en-US" sz="1400" b="1" kern="0">
+                        <a:rPr lang="en-US" sz="1400" b="1" kern="0" dirty="0">
                           <a:effectLst/>
                           <a:latin typeface="Arial" charset="0"/>
                           <a:ea typeface="맑은 고딕" charset="-127"/>
@@ -8181,7 +8174,7 @@
                         </a:rPr>
                         <a:t>ID: UC05</a:t>
                       </a:r>
-                      <a:endParaRPr lang="ko-KR" sz="1400" kern="100">
+                      <a:endParaRPr lang="ko-KR" sz="1400" kern="100" dirty="0">
                         <a:effectLst/>
                         <a:latin typeface="맑은 고딕" charset="-127"/>
                         <a:ea typeface="맑은 고딕" charset="-127"/>
@@ -8397,7 +8390,7 @@
                           <a:ea typeface="맑은 고딕" charset="-127"/>
                           <a:cs typeface="Times New Roman" charset="0"/>
                         </a:rPr>
-                        <a:t>(FR01, FR02, FR10, </a:t>
+                        <a:t>(FR01</a:t>
                       </a:r>
                       <a:r>
                         <a:rPr lang="en-US" sz="1400" kern="0" dirty="0" smtClean="0">
@@ -8406,7 +8399,7 @@
                           <a:ea typeface="맑은 고딕" charset="-127"/>
                           <a:cs typeface="Times New Roman" charset="0"/>
                         </a:rPr>
-                        <a:t>FR17,FR18</a:t>
+                        <a:t>, </a:t>
                       </a:r>
                       <a:r>
                         <a:rPr lang="en-US" sz="1400" kern="0" dirty="0">
@@ -8415,7 +8408,25 @@
                           <a:ea typeface="맑은 고딕" charset="-127"/>
                           <a:cs typeface="Times New Roman" charset="0"/>
                         </a:rPr>
-                        <a:t>) Parking scenario</a:t>
+                        <a:t>FR10, </a:t>
+                      </a:r>
+                      <a:r>
+                        <a:rPr lang="en-US" sz="1400" kern="0" dirty="0" smtClean="0">
+                          <a:effectLst/>
+                          <a:latin typeface="Arial" charset="0"/>
+                          <a:ea typeface="맑은 고딕" charset="-127"/>
+                          <a:cs typeface="Times New Roman" charset="0"/>
+                        </a:rPr>
+                        <a:t>FR17) </a:t>
+                      </a:r>
+                      <a:r>
+                        <a:rPr lang="en-US" sz="1400" kern="0" dirty="0">
+                          <a:effectLst/>
+                          <a:latin typeface="Arial" charset="0"/>
+                          <a:ea typeface="맑은 고딕" charset="-127"/>
+                          <a:cs typeface="Times New Roman" charset="0"/>
+                        </a:rPr>
+                        <a:t>Parking scenario</a:t>
                       </a:r>
                       <a:endParaRPr lang="ko-KR" sz="1400" kern="100" dirty="0">
                         <a:effectLst/>
@@ -8777,17 +8788,17 @@
                       <a:r>
                         <a:rPr lang="en-US" sz="1400" b="1" kern="0">
                           <a:effectLst/>
-                          <a:latin typeface="Arial" charset="0"/>
+                          <a:latin typeface="Arial" pitchFamily="34" charset="0"/>
                           <a:ea typeface="맑은 고딕" charset="-127"/>
-                          <a:cs typeface="Times New Roman" charset="0"/>
+                          <a:cs typeface="Arial" pitchFamily="34" charset="0"/>
                         </a:rPr>
                         <a:t>Main success scenario</a:t>
                       </a:r>
                       <a:endParaRPr lang="ko-KR" sz="1400" kern="100">
                         <a:effectLst/>
-                        <a:latin typeface="맑은 고딕" charset="-127"/>
+                        <a:latin typeface="Arial" pitchFamily="34" charset="0"/>
                         <a:ea typeface="맑은 고딕" charset="-127"/>
-                        <a:cs typeface="Times New Roman" charset="0"/>
+                        <a:cs typeface="Arial" pitchFamily="34" charset="0"/>
                       </a:endParaRPr>
                     </a:p>
                   </a:txBody>
@@ -8847,87 +8858,70 @@
                         </a:spcAft>
                       </a:pPr>
                       <a:r>
-                        <a:rPr lang="en-US" sz="1400" kern="0">
-                          <a:effectLst/>
-                          <a:latin typeface="Arial" charset="0"/>
-                          <a:ea typeface="맑은 고딕" charset="-127"/>
-                          <a:cs typeface="Times New Roman" charset="0"/>
-                        </a:rPr>
-                        <a:t>1) A car parked</a:t>
-                      </a:r>
-                      <a:r>
-                        <a:rPr lang="en-US" sz="1400" u="sng" kern="0">
-                          <a:effectLst/>
-                          <a:latin typeface="Arial" charset="0"/>
-                          <a:ea typeface="맑은 고딕" charset="-127"/>
-                          <a:cs typeface="Times New Roman" charset="0"/>
+                        <a:rPr lang="en-US" altLang="ko-KR" sz="1400" kern="0" dirty="0" smtClean="0">
+                          <a:effectLst/>
+                          <a:latin typeface="Arial" pitchFamily="34" charset="0"/>
+                          <a:ea typeface="+mn-ea"/>
+                          <a:cs typeface="Arial" pitchFamily="34" charset="0"/>
+                        </a:rPr>
+                        <a:t>1) The system is illuminating the green LED at assigned parking space.</a:t>
+                      </a:r>
+                      <a:endParaRPr lang="ko-KR" altLang="ko-KR" sz="1400" kern="100" dirty="0" smtClean="0">
+                        <a:effectLst/>
+                        <a:latin typeface="Arial" pitchFamily="34" charset="0"/>
+                        <a:ea typeface="+mn-ea"/>
+                        <a:cs typeface="Arial" pitchFamily="34" charset="0"/>
+                      </a:endParaRPr>
+                    </a:p>
+                    <a:p>
+                      <a:pPr algn="l" latinLnBrk="0">
+                        <a:lnSpc>
+                          <a:spcPct val="107000"/>
+                        </a:lnSpc>
+                        <a:spcAft>
+                          <a:spcPts val="0"/>
+                        </a:spcAft>
+                      </a:pPr>
+                      <a:r>
+                        <a:rPr lang="en-US" altLang="ko-KR" sz="1400" kern="0" dirty="0" smtClean="0">
+                          <a:effectLst/>
+                          <a:latin typeface="Arial" pitchFamily="34" charset="0"/>
+                          <a:ea typeface="+mn-ea"/>
+                          <a:cs typeface="Arial" pitchFamily="34" charset="0"/>
+                        </a:rPr>
+                        <a:t>2) A car parked</a:t>
+                      </a:r>
+                      <a:r>
+                        <a:rPr lang="en-US" altLang="ko-KR" sz="1400" u="sng" kern="0" dirty="0" smtClean="0">
+                          <a:effectLst/>
+                          <a:latin typeface="Arial" pitchFamily="34" charset="0"/>
+                          <a:ea typeface="+mn-ea"/>
+                          <a:cs typeface="Arial" pitchFamily="34" charset="0"/>
                         </a:rPr>
                         <a:t> at the designated parking spot.</a:t>
                       </a:r>
-                      <a:endParaRPr lang="ko-KR" sz="1400" kern="100">
-                        <a:effectLst/>
-                        <a:latin typeface="맑은 고딕" charset="-127"/>
+                      <a:endParaRPr lang="ko-KR" altLang="ko-KR" sz="1400" kern="100" dirty="0" smtClean="0">
+                        <a:effectLst/>
+                        <a:latin typeface="Arial" pitchFamily="34" charset="0"/>
+                        <a:ea typeface="+mn-ea"/>
+                        <a:cs typeface="Arial" pitchFamily="34" charset="0"/>
+                      </a:endParaRPr>
+                    </a:p>
+                    <a:p>
+                      <a:r>
+                        <a:rPr lang="en-US" altLang="ko-KR" sz="1400" kern="0" dirty="0" smtClean="0">
+                          <a:effectLst/>
+                          <a:latin typeface="Arial" pitchFamily="34" charset="0"/>
+                          <a:ea typeface="+mn-ea"/>
+                          <a:cs typeface="Arial" pitchFamily="34" charset="0"/>
+                        </a:rPr>
+                        <a:t>3) The green LED at the parking space will be turned off.</a:t>
+                      </a:r>
+                      <a:endParaRPr lang="ko-KR" sz="1400" kern="100" dirty="0">
+                        <a:effectLst/>
+                        <a:latin typeface="Arial" pitchFamily="34" charset="0"/>
                         <a:ea typeface="맑은 고딕" charset="-127"/>
-                        <a:cs typeface="Times New Roman" charset="0"/>
-                      </a:endParaRPr>
-                    </a:p>
-                    <a:p>
-                      <a:pPr algn="just" latinLnBrk="1">
-                        <a:lnSpc>
-                          <a:spcPct val="107000"/>
-                        </a:lnSpc>
-                        <a:spcAft>
-                          <a:spcPts val="800"/>
-                        </a:spcAft>
-                      </a:pPr>
-                      <a:r>
-                        <a:rPr lang="en-US" sz="1400" kern="100">
-                          <a:effectLst/>
-                          <a:latin typeface="Arial" charset="0"/>
-                          <a:ea typeface="맑은 고딕" charset="-127"/>
-                          <a:cs typeface="Times New Roman" charset="0"/>
-                        </a:rPr>
-                        <a:t>2) </a:t>
-                      </a:r>
-                      <a:r>
-                        <a:rPr lang="en-US" sz="1400" kern="0">
-                          <a:effectLst/>
-                          <a:latin typeface="Arial" charset="0"/>
-                          <a:ea typeface="맑은 고딕" charset="-127"/>
-                          <a:cs typeface="Times New Roman" charset="0"/>
-                        </a:rPr>
-                        <a:t>A car breaks the lane keeping systems in the garage for 2 minutes.</a:t>
-                      </a:r>
-                      <a:endParaRPr lang="ko-KR" sz="1400" kern="100">
-                        <a:effectLst/>
-                        <a:latin typeface="맑은 고딕" charset="-127"/>
-                        <a:ea typeface="맑은 고딕" charset="-127"/>
-                        <a:cs typeface="Times New Roman" charset="0"/>
-                      </a:endParaRPr>
-                    </a:p>
-                    <a:p>
-                      <a:pPr algn="l" latinLnBrk="0">
-                        <a:lnSpc>
-                          <a:spcPct val="107000"/>
-                        </a:lnSpc>
-                        <a:spcAft>
-                          <a:spcPts val="0"/>
-                        </a:spcAft>
-                      </a:pPr>
-                      <a:r>
-                        <a:rPr lang="en-US" sz="1400" kern="0">
-                          <a:effectLst/>
-                          <a:latin typeface="Arial" charset="0"/>
-                          <a:ea typeface="맑은 고딕" charset="-127"/>
-                          <a:cs typeface="Times New Roman" charset="0"/>
-                        </a:rPr>
-                        <a:t>3) The system notifies the parking attendant.</a:t>
-                      </a:r>
-                      <a:endParaRPr lang="ko-KR" sz="1400" kern="100">
-                        <a:effectLst/>
-                        <a:latin typeface="맑은 고딕" charset="-127"/>
-                        <a:ea typeface="맑은 고딕" charset="-127"/>
-                        <a:cs typeface="Times New Roman" charset="0"/>
+                        <a:cs typeface="Arial" pitchFamily="34" charset="0"/>
                       </a:endParaRPr>
                     </a:p>
                   </a:txBody>
@@ -8991,17 +8985,17 @@
                       <a:r>
                         <a:rPr lang="en-US" sz="1400" b="1" kern="0">
                           <a:effectLst/>
-                          <a:latin typeface="Arial" charset="0"/>
+                          <a:latin typeface="Arial" pitchFamily="34" charset="0"/>
                           <a:ea typeface="맑은 고딕" charset="-127"/>
-                          <a:cs typeface="Times New Roman" charset="0"/>
+                          <a:cs typeface="Arial" pitchFamily="34" charset="0"/>
                         </a:rPr>
                         <a:t>Post conditions</a:t>
                       </a:r>
                       <a:endParaRPr lang="ko-KR" sz="1400" kern="100">
                         <a:effectLst/>
-                        <a:latin typeface="맑은 고딕" charset="-127"/>
+                        <a:latin typeface="Arial" pitchFamily="34" charset="0"/>
                         <a:ea typeface="맑은 고딕" charset="-127"/>
-                        <a:cs typeface="Times New Roman" charset="0"/>
+                        <a:cs typeface="Arial" pitchFamily="34" charset="0"/>
                       </a:endParaRPr>
                     </a:p>
                   </a:txBody>
@@ -9063,17 +9057,17 @@
                       <a:r>
                         <a:rPr lang="en-US" sz="1400" kern="0">
                           <a:effectLst/>
-                          <a:latin typeface="Arial" charset="0"/>
+                          <a:latin typeface="Arial" pitchFamily="34" charset="0"/>
                           <a:ea typeface="맑은 고딕" charset="-127"/>
-                          <a:cs typeface="Times New Roman" charset="0"/>
+                          <a:cs typeface="Arial" pitchFamily="34" charset="0"/>
                         </a:rPr>
                         <a:t>The car is parked correctly. </a:t>
                       </a:r>
                       <a:endParaRPr lang="ko-KR" sz="1400" kern="100">
                         <a:effectLst/>
-                        <a:latin typeface="맑은 고딕" charset="-127"/>
+                        <a:latin typeface="Arial" pitchFamily="34" charset="0"/>
                         <a:ea typeface="맑은 고딕" charset="-127"/>
-                        <a:cs typeface="Times New Roman" charset="0"/>
+                        <a:cs typeface="Arial" pitchFamily="34" charset="0"/>
                       </a:endParaRPr>
                     </a:p>
                   </a:txBody>
@@ -9137,17 +9131,17 @@
                       <a:r>
                         <a:rPr lang="en-US" sz="1400" b="1" kern="0" dirty="0">
                           <a:effectLst/>
-                          <a:latin typeface="Arial" charset="0"/>
+                          <a:latin typeface="Arial" pitchFamily="34" charset="0"/>
                           <a:ea typeface="맑은 고딕" charset="-127"/>
-                          <a:cs typeface="Times New Roman" charset="0"/>
+                          <a:cs typeface="Arial" pitchFamily="34" charset="0"/>
                         </a:rPr>
                         <a:t>Alternate scenario</a:t>
                       </a:r>
                       <a:endParaRPr lang="ko-KR" sz="1400" kern="100" dirty="0">
                         <a:effectLst/>
-                        <a:latin typeface="맑은 고딕" charset="-127"/>
+                        <a:latin typeface="Arial" pitchFamily="34" charset="0"/>
                         <a:ea typeface="맑은 고딕" charset="-127"/>
-                        <a:cs typeface="Times New Roman" charset="0"/>
+                        <a:cs typeface="Arial" pitchFamily="34" charset="0"/>
                       </a:endParaRPr>
                     </a:p>
                   </a:txBody>
@@ -9207,19 +9201,19 @@
                         </a:spcAft>
                       </a:pPr>
                       <a:r>
-                        <a:rPr lang="en-US" sz="1400" kern="0" dirty="0">
-                          <a:effectLst/>
-                          <a:latin typeface="Arial" charset="0"/>
-                          <a:ea typeface="맑은 고딕" charset="-127"/>
-                          <a:cs typeface="Times New Roman" charset="0"/>
-                        </a:rPr>
-                        <a:t>1a) If a car parked at other spot,</a:t>
-                      </a:r>
-                      <a:endParaRPr lang="ko-KR" sz="1400" kern="100" dirty="0">
-                        <a:effectLst/>
-                        <a:latin typeface="맑은 고딕" charset="-127"/>
-                        <a:ea typeface="맑은 고딕" charset="-127"/>
-                        <a:cs typeface="Times New Roman" charset="0"/>
+                        <a:rPr lang="en-US" altLang="ko-KR" sz="1400" kern="0" dirty="0" smtClean="0">
+                          <a:effectLst/>
+                          <a:latin typeface="Arial" pitchFamily="34" charset="0"/>
+                          <a:ea typeface="+mn-ea"/>
+                          <a:cs typeface="Arial" pitchFamily="34" charset="0"/>
+                        </a:rPr>
+                        <a:t>2a) If a car parked at other spot,</a:t>
+                      </a:r>
+                      <a:endParaRPr lang="ko-KR" altLang="ko-KR" sz="1400" kern="100" dirty="0" smtClean="0">
+                        <a:effectLst/>
+                        <a:latin typeface="Arial" pitchFamily="34" charset="0"/>
+                        <a:ea typeface="+mn-ea"/>
+                        <a:cs typeface="Arial" pitchFamily="34" charset="0"/>
                       </a:endParaRPr>
                     </a:p>
                     <a:p>
@@ -9234,135 +9228,31 @@
                         <a:buAutoNum type="arabicParenR"/>
                       </a:pPr>
                       <a:r>
-                        <a:rPr lang="en-US" sz="1400" kern="100" dirty="0">
+                        <a:rPr lang="en-US" altLang="ko-KR" sz="1400" kern="100" dirty="0" smtClean="0">
                           <a:solidFill>
                             <a:srgbClr val="000000"/>
                           </a:solidFill>
                           <a:effectLst/>
-                          <a:latin typeface="Arial" charset="0"/>
-                          <a:ea typeface="맑은 고딕" charset="-127"/>
-                          <a:cs typeface="Times New Roman" charset="0"/>
-                        </a:rPr>
-                        <a:t>The system will notify the attendant and it will reallocate the parking spaces.</a:t>
-                      </a:r>
-                      <a:endParaRPr lang="ko-KR" sz="1400" kern="100" dirty="0">
-                        <a:effectLst/>
-                        <a:latin typeface="맑은 고딕" charset="-127"/>
-                        <a:ea typeface="맑은 고딕" charset="-127"/>
-                        <a:cs typeface="Times New Roman" charset="0"/>
-                      </a:endParaRPr>
-                    </a:p>
-                    <a:p>
-                      <a:pPr algn="l" latinLnBrk="0">
-                        <a:lnSpc>
-                          <a:spcPct val="107000"/>
-                        </a:lnSpc>
-                        <a:spcAft>
-                          <a:spcPts val="0"/>
-                        </a:spcAft>
-                      </a:pPr>
-                      <a:r>
-                        <a:rPr lang="en-US" sz="1400" kern="0" dirty="0">
-                          <a:effectLst/>
-                          <a:latin typeface="Arial" charset="0"/>
-                          <a:ea typeface="맑은 고딕" charset="-127"/>
-                          <a:cs typeface="Times New Roman" charset="0"/>
-                        </a:rPr>
-                        <a:t>2b) </a:t>
-                      </a:r>
-                      <a:r>
-                        <a:rPr lang="en-US" sz="1400" kern="100" dirty="0">
-                          <a:effectLst/>
-                          <a:latin typeface="Arial" charset="0"/>
-                          <a:ea typeface="맑은 고딕" charset="-127"/>
-                          <a:cs typeface="Times New Roman" charset="0"/>
-                        </a:rPr>
-                        <a:t>If a car crosses the line or occupied 2 parking spaces,</a:t>
-                      </a:r>
-                      <a:endParaRPr lang="ko-KR" sz="1400" kern="100" dirty="0">
-                        <a:effectLst/>
-                        <a:latin typeface="맑은 고딕" charset="-127"/>
-                        <a:ea typeface="맑은 고딕" charset="-127"/>
-                        <a:cs typeface="Times New Roman" charset="0"/>
-                      </a:endParaRPr>
-                    </a:p>
-                    <a:p>
-                      <a:pPr marL="342900" lvl="0" indent="-342900" algn="l" latinLnBrk="0">
-                        <a:lnSpc>
-                          <a:spcPct val="107000"/>
-                        </a:lnSpc>
-                        <a:spcAft>
-                          <a:spcPts val="0"/>
-                        </a:spcAft>
-                        <a:buFont typeface="Times New Roman" charset="0"/>
-                        <a:buAutoNum type="arabicParenR"/>
-                      </a:pPr>
-                      <a:r>
-                        <a:rPr lang="en-US" sz="1400" kern="100" dirty="0">
-                          <a:effectLst/>
-                          <a:latin typeface="Arial" charset="0"/>
-                          <a:ea typeface="맑은 고딕" charset="-127"/>
-                          <a:cs typeface="Times New Roman" charset="0"/>
-                        </a:rPr>
-                        <a:t>The system blinks a visual indicator(LED) at the parking spot.</a:t>
-                      </a:r>
-                      <a:endParaRPr lang="ko-KR" sz="1400" kern="100" dirty="0">
-                        <a:effectLst/>
-                        <a:latin typeface="맑은 고딕" charset="-127"/>
-                        <a:ea typeface="맑은 고딕" charset="-127"/>
-                        <a:cs typeface="Times New Roman" charset="0"/>
-                      </a:endParaRPr>
-                    </a:p>
-                    <a:p>
-                      <a:pPr marL="342900" lvl="0" indent="-342900" algn="l" latinLnBrk="0">
-                        <a:lnSpc>
-                          <a:spcPct val="107000"/>
-                        </a:lnSpc>
-                        <a:spcAft>
-                          <a:spcPts val="0"/>
-                        </a:spcAft>
-                        <a:buFont typeface="Times New Roman" charset="0"/>
-                        <a:buAutoNum type="arabicParenR"/>
-                      </a:pPr>
-                      <a:r>
-                        <a:rPr lang="en-US" sz="1400" kern="0" dirty="0">
-                          <a:effectLst/>
-                          <a:latin typeface="Arial" charset="0"/>
-                          <a:ea typeface="맑은 고딕" charset="-127"/>
-                          <a:cs typeface="Times New Roman" charset="0"/>
-                        </a:rPr>
-                        <a:t>The system notifies the parking attendant.</a:t>
-                      </a:r>
-                      <a:endParaRPr lang="ko-KR" sz="1400" kern="100" dirty="0">
-                        <a:effectLst/>
-                        <a:latin typeface="맑은 고딕" charset="-127"/>
-                        <a:ea typeface="맑은 고딕" charset="-127"/>
-                        <a:cs typeface="Times New Roman" charset="0"/>
-                      </a:endParaRPr>
-                    </a:p>
-                    <a:p>
-                      <a:pPr algn="l" latinLnBrk="0">
-                        <a:lnSpc>
-                          <a:spcPct val="107000"/>
-                        </a:lnSpc>
-                        <a:spcAft>
-                          <a:spcPts val="0"/>
-                        </a:spcAft>
-                      </a:pPr>
-                      <a:r>
-                        <a:rPr lang="en-US" sz="1400" kern="0" dirty="0">
-                          <a:effectLst/>
-                          <a:latin typeface="Arial" charset="0"/>
-                          <a:ea typeface="맑은 고딕" charset="-127"/>
-                          <a:cs typeface="Times New Roman" charset="0"/>
-                        </a:rPr>
-                        <a:t>The attendant notify to the driver that car breaks the lane keeping systems.</a:t>
-                      </a:r>
-                      <a:endParaRPr lang="ko-KR" sz="1400" kern="100" dirty="0">
-                        <a:effectLst/>
-                        <a:latin typeface="맑은 고딕" charset="-127"/>
-                        <a:ea typeface="맑은 고딕" charset="-127"/>
-                        <a:cs typeface="Times New Roman" charset="0"/>
+                          <a:latin typeface="Arial" pitchFamily="34" charset="0"/>
+                          <a:ea typeface="+mn-ea"/>
+                          <a:cs typeface="Arial" pitchFamily="34" charset="0"/>
+                        </a:rPr>
+                        <a:t>The system </a:t>
+                      </a:r>
+                      <a:r>
+                        <a:rPr lang="en-US" altLang="ko-KR" sz="1400" kern="100" dirty="0" smtClean="0">
+                          <a:effectLst/>
+                          <a:latin typeface="Arial" pitchFamily="34" charset="0"/>
+                          <a:ea typeface="+mn-ea"/>
+                          <a:cs typeface="Arial" pitchFamily="34" charset="0"/>
+                        </a:rPr>
+                        <a:t>will automatically reassign parking spaces and correlate associated reservations.</a:t>
+                      </a:r>
+                      <a:endParaRPr lang="ko-KR" altLang="ko-KR" sz="1400" kern="100" dirty="0">
+                        <a:effectLst/>
+                        <a:latin typeface="Arial" pitchFamily="34" charset="0"/>
+                        <a:ea typeface="+mn-ea"/>
+                        <a:cs typeface="Arial" pitchFamily="34" charset="0"/>
                       </a:endParaRPr>
                     </a:p>
                   </a:txBody>
@@ -24173,36 +24063,6 @@
           </a:p>
         </p:txBody>
       </p:sp>
-      <p:pic>
-        <p:nvPicPr>
-          <p:cNvPr id="7" name="그림 6"/>
-          <p:cNvPicPr/>
-          <p:nvPr/>
-        </p:nvPicPr>
-        <p:blipFill>
-          <a:blip r:embed="rId3" cstate="print">
-            <a:extLst>
-              <a:ext uri="{28A0092B-C50C-407E-A947-70E740481C1C}">
-                <a14:useLocalDpi xmlns:a14="http://schemas.microsoft.com/office/drawing/2010/main" val="0"/>
-              </a:ext>
-            </a:extLst>
-          </a:blip>
-          <a:srcRect/>
-          <a:stretch>
-            <a:fillRect/>
-          </a:stretch>
-        </p:blipFill>
-        <p:spPr bwMode="auto">
-          <a:xfrm>
-            <a:off x="2216696" y="2632144"/>
-            <a:ext cx="5544616" cy="3816424"/>
-          </a:xfrm>
-          <a:prstGeom prst="rect">
-            <a:avLst/>
-          </a:prstGeom>
-          <a:noFill/>
-        </p:spPr>
-      </p:pic>
       <p:sp>
         <p:nvSpPr>
           <p:cNvPr id="8" name="직사각형 7"/>
@@ -24243,6 +24103,70 @@
           </a:p>
         </p:txBody>
       </p:sp>
+      <p:pic>
+        <p:nvPicPr>
+          <p:cNvPr id="1026" name="Picture 2"/>
+          <p:cNvPicPr>
+            <a:picLocks noChangeAspect="1" noChangeArrowheads="1"/>
+          </p:cNvPicPr>
+          <p:nvPr/>
+        </p:nvPicPr>
+        <p:blipFill>
+          <a:blip r:embed="rId3" cstate="print">
+            <a:extLst>
+              <a:ext uri="{28A0092B-C50C-407E-A947-70E740481C1C}">
+                <a14:useLocalDpi xmlns:a14="http://schemas.microsoft.com/office/drawing/2010/main" val="0"/>
+              </a:ext>
+            </a:extLst>
+          </a:blip>
+          <a:srcRect/>
+          <a:stretch>
+            <a:fillRect/>
+          </a:stretch>
+        </p:blipFill>
+        <p:spPr bwMode="auto">
+          <a:xfrm>
+            <a:off x="2258461" y="2492896"/>
+            <a:ext cx="5380041" cy="3845030"/>
+          </a:xfrm>
+          <a:prstGeom prst="rect">
+            <a:avLst/>
+          </a:prstGeom>
+          <a:noFill/>
+          <a:ln>
+            <a:noFill/>
+          </a:ln>
+          <a:effectLst/>
+          <a:extLst>
+            <a:ext uri="{909E8E84-426E-40DD-AFC4-6F175D3DCCD1}">
+              <a14:hiddenFill xmlns:a14="http://schemas.microsoft.com/office/drawing/2010/main">
+                <a:solidFill>
+                  <a:schemeClr val="accent1"/>
+                </a:solidFill>
+              </a14:hiddenFill>
+            </a:ext>
+            <a:ext uri="{91240B29-F687-4F45-9708-019B960494DF}">
+              <a14:hiddenLine xmlns:a14="http://schemas.microsoft.com/office/drawing/2010/main" w="9525">
+                <a:solidFill>
+                  <a:schemeClr val="tx1"/>
+                </a:solidFill>
+                <a:miter lim="800000"/>
+                <a:headEnd/>
+                <a:tailEnd/>
+              </a14:hiddenLine>
+            </a:ext>
+            <a:ext uri="{AF507438-7753-43E0-B8FC-AC1667EBCBE1}">
+              <a14:hiddenEffects xmlns:a14="http://schemas.microsoft.com/office/drawing/2010/main">
+                <a:effectLst>
+                  <a:outerShdw dist="35921" dir="2700000" algn="ctr" rotWithShape="0">
+                    <a:schemeClr val="bg2"/>
+                  </a:outerShdw>
+                </a:effectLst>
+              </a14:hiddenEffects>
+            </a:ext>
+          </a:extLst>
+        </p:spPr>
+      </p:pic>
     </p:spTree>
   </p:cSld>
   <p:clrMapOvr>
@@ -24505,7 +24429,7 @@
           <p:nvPr>
             <p:extLst>
               <p:ext uri="{D42A27DB-BD31-4B8C-83A1-F6EECF244321}">
-                <p14:modId xmlns:p14="http://schemas.microsoft.com/office/powerpoint/2010/main" val="1024005056"/>
+                <p14:modId xmlns:p14="http://schemas.microsoft.com/office/powerpoint/2010/main" val="1308941562"/>
               </p:ext>
             </p:extLst>
           </p:nvPr>
@@ -25368,7 +25292,7 @@
                   </a:txBody>
                   <a:tcPr/>
                 </a:tc>
-                <a:tc>
+                <a:tc gridSpan="2">
                   <a:txBody>
                     <a:bodyPr/>
                     <a:lstStyle/>
@@ -25382,7 +25306,7 @@
                         </a:spcAft>
                       </a:pPr>
                       <a:r>
-                        <a:rPr lang="en-US" sz="1400" b="1" kern="0">
+                        <a:rPr lang="en-US" sz="1400" b="1" kern="0" dirty="0">
                           <a:effectLst/>
                           <a:latin typeface="Arial" charset="0"/>
                           <a:ea typeface="맑은 고딕" charset="-127"/>
@@ -25390,7 +25314,7 @@
                         </a:rPr>
                         <a:t>Phase 2</a:t>
                       </a:r>
-                      <a:endParaRPr lang="ko-KR" sz="1400" b="1" kern="100">
+                      <a:endParaRPr lang="ko-KR" sz="1400" b="1" kern="100" dirty="0">
                         <a:effectLst/>
                         <a:latin typeface="맑은 고딕" charset="-127"/>
                         <a:ea typeface="맑은 고딕" charset="-127"/>
@@ -25440,7 +25364,7 @@
                     </a:solidFill>
                   </a:tcPr>
                 </a:tc>
-                <a:tc>
+                <a:tc hMerge="1">
                   <a:txBody>
                     <a:bodyPr/>
                     <a:lstStyle/>
@@ -25453,15 +25377,6 @@
                           <a:spcPts val="0"/>
                         </a:spcAft>
                       </a:pPr>
-                      <a:r>
-                        <a:rPr lang="en-US" sz="1400" b="1" kern="0" dirty="0">
-                          <a:effectLst/>
-                          <a:latin typeface="Arial" charset="0"/>
-                          <a:ea typeface="맑은 고딕" charset="-127"/>
-                          <a:cs typeface="Times New Roman" charset="0"/>
-                        </a:rPr>
-                        <a:t>Phase 3</a:t>
-                      </a:r>
                       <a:endParaRPr lang="ko-KR" sz="1400" b="1" kern="100" dirty="0">
                         <a:effectLst/>
                         <a:latin typeface="맑은 고딕" charset="-127"/>
@@ -29079,8 +28994,8 @@
         </p:nvSpPr>
         <p:spPr>
           <a:xfrm>
-            <a:off x="4519900" y="3376598"/>
-            <a:ext cx="2376264" cy="388620"/>
+            <a:off x="4375884" y="3376598"/>
+            <a:ext cx="1369204" cy="388620"/>
           </a:xfrm>
           <a:prstGeom prst="rightArrow">
             <a:avLst/>
@@ -29117,14 +29032,14 @@
       </p:sp>
       <p:sp>
         <p:nvSpPr>
-          <p:cNvPr id="32" name="오른쪽 화살표 6"/>
+          <p:cNvPr id="12" name="오른쪽 화살표 5"/>
           <p:cNvSpPr/>
           <p:nvPr/>
         </p:nvSpPr>
         <p:spPr>
           <a:xfrm>
-            <a:off x="4903789" y="4053826"/>
-            <a:ext cx="2736304" cy="388620"/>
+            <a:off x="4528284" y="4072585"/>
+            <a:ext cx="1369204" cy="388620"/>
           </a:xfrm>
           <a:prstGeom prst="rightArrow">
             <a:avLst/>
@@ -29161,14 +29076,146 @@
       </p:sp>
       <p:sp>
         <p:nvSpPr>
-          <p:cNvPr id="33" name="오른쪽 화살표 7"/>
+          <p:cNvPr id="13" name="오른쪽 화살표 5"/>
           <p:cNvSpPr/>
           <p:nvPr/>
         </p:nvSpPr>
         <p:spPr>
           <a:xfrm>
-            <a:off x="5333728" y="4731054"/>
-            <a:ext cx="2306365" cy="388620"/>
+            <a:off x="4680684" y="4768572"/>
+            <a:ext cx="1369204" cy="388620"/>
+          </a:xfrm>
+          <a:prstGeom prst="rightArrow">
+            <a:avLst/>
+          </a:prstGeom>
+        </p:spPr>
+        <p:style>
+          <a:lnRef idx="2">
+            <a:schemeClr val="accent1">
+              <a:shade val="50000"/>
+            </a:schemeClr>
+          </a:lnRef>
+          <a:fillRef idx="1">
+            <a:schemeClr val="accent1"/>
+          </a:fillRef>
+          <a:effectRef idx="0">
+            <a:schemeClr val="accent1"/>
+          </a:effectRef>
+          <a:fontRef idx="minor">
+            <a:schemeClr val="lt1"/>
+          </a:fontRef>
+        </p:style>
+        <p:txBody>
+          <a:bodyPr rot="0" spcFirstLastPara="0" vert="horz" wrap="square" lIns="91440" tIns="45720" rIns="91440" bIns="45720" numCol="1" spcCol="0" rtlCol="0" fromWordArt="0" anchor="ctr" anchorCtr="0" forceAA="0" compatLnSpc="1">
+            <a:prstTxWarp prst="textNoShape">
+              <a:avLst/>
+            </a:prstTxWarp>
+            <a:noAutofit/>
+          </a:bodyPr>
+          <a:lstStyle/>
+          <a:p>
+            <a:endParaRPr lang="ko-KR" altLang="en-US"/>
+          </a:p>
+        </p:txBody>
+      </p:sp>
+      <p:sp>
+        <p:nvSpPr>
+          <p:cNvPr id="14" name="오른쪽 화살표 5"/>
+          <p:cNvSpPr/>
+          <p:nvPr/>
+        </p:nvSpPr>
+        <p:spPr>
+          <a:xfrm>
+            <a:off x="5928774" y="3393025"/>
+            <a:ext cx="1369204" cy="388620"/>
+          </a:xfrm>
+          <a:prstGeom prst="rightArrow">
+            <a:avLst/>
+          </a:prstGeom>
+        </p:spPr>
+        <p:style>
+          <a:lnRef idx="2">
+            <a:schemeClr val="accent1">
+              <a:shade val="50000"/>
+            </a:schemeClr>
+          </a:lnRef>
+          <a:fillRef idx="1">
+            <a:schemeClr val="accent1"/>
+          </a:fillRef>
+          <a:effectRef idx="0">
+            <a:schemeClr val="accent1"/>
+          </a:effectRef>
+          <a:fontRef idx="minor">
+            <a:schemeClr val="lt1"/>
+          </a:fontRef>
+        </p:style>
+        <p:txBody>
+          <a:bodyPr rot="0" spcFirstLastPara="0" vert="horz" wrap="square" lIns="91440" tIns="45720" rIns="91440" bIns="45720" numCol="1" spcCol="0" rtlCol="0" fromWordArt="0" anchor="ctr" anchorCtr="0" forceAA="0" compatLnSpc="1">
+            <a:prstTxWarp prst="textNoShape">
+              <a:avLst/>
+            </a:prstTxWarp>
+            <a:noAutofit/>
+          </a:bodyPr>
+          <a:lstStyle/>
+          <a:p>
+            <a:endParaRPr lang="ko-KR" altLang="en-US"/>
+          </a:p>
+        </p:txBody>
+      </p:sp>
+      <p:sp>
+        <p:nvSpPr>
+          <p:cNvPr id="15" name="오른쪽 화살표 5"/>
+          <p:cNvSpPr/>
+          <p:nvPr/>
+        </p:nvSpPr>
+        <p:spPr>
+          <a:xfrm>
+            <a:off x="6233574" y="4784999"/>
+            <a:ext cx="1369204" cy="388620"/>
+          </a:xfrm>
+          <a:prstGeom prst="rightArrow">
+            <a:avLst/>
+          </a:prstGeom>
+        </p:spPr>
+        <p:style>
+          <a:lnRef idx="2">
+            <a:schemeClr val="accent1">
+              <a:shade val="50000"/>
+            </a:schemeClr>
+          </a:lnRef>
+          <a:fillRef idx="1">
+            <a:schemeClr val="accent1"/>
+          </a:fillRef>
+          <a:effectRef idx="0">
+            <a:schemeClr val="accent1"/>
+          </a:effectRef>
+          <a:fontRef idx="minor">
+            <a:schemeClr val="lt1"/>
+          </a:fontRef>
+        </p:style>
+        <p:txBody>
+          <a:bodyPr rot="0" spcFirstLastPara="0" vert="horz" wrap="square" lIns="91440" tIns="45720" rIns="91440" bIns="45720" numCol="1" spcCol="0" rtlCol="0" fromWordArt="0" anchor="ctr" anchorCtr="0" forceAA="0" compatLnSpc="1">
+            <a:prstTxWarp prst="textNoShape">
+              <a:avLst/>
+            </a:prstTxWarp>
+            <a:noAutofit/>
+          </a:bodyPr>
+          <a:lstStyle/>
+          <a:p>
+            <a:endParaRPr lang="ko-KR" altLang="en-US"/>
+          </a:p>
+        </p:txBody>
+      </p:sp>
+      <p:sp>
+        <p:nvSpPr>
+          <p:cNvPr id="16" name="오른쪽 화살표 5"/>
+          <p:cNvSpPr/>
+          <p:nvPr/>
+        </p:nvSpPr>
+        <p:spPr>
+          <a:xfrm>
+            <a:off x="6033120" y="4089012"/>
+            <a:ext cx="1369204" cy="388620"/>
           </a:xfrm>
           <a:prstGeom prst="rightArrow">
             <a:avLst/>
@@ -36174,14 +36221,14 @@
           <p:nvPr>
             <p:extLst>
               <p:ext uri="{D42A27DB-BD31-4B8C-83A1-F6EECF244321}">
-                <p14:modId xmlns:p14="http://schemas.microsoft.com/office/powerpoint/2010/main" val="1611973396"/>
+                <p14:modId xmlns:p14="http://schemas.microsoft.com/office/powerpoint/2010/main" val="2920243515"/>
               </p:ext>
             </p:extLst>
           </p:nvPr>
         </p:nvGraphicFramePr>
         <p:xfrm>
           <a:off x="641350" y="836712"/>
-          <a:ext cx="8559800" cy="5512137"/>
+          <a:ext cx="8559800" cy="4951932"/>
         </p:xfrm>
         <a:graphic>
           <a:graphicData uri="http://schemas.openxmlformats.org/drawingml/2006/table">
@@ -36207,7 +36254,7 @@
                         </a:spcAft>
                       </a:pPr>
                       <a:r>
-                        <a:rPr lang="en-US" sz="1400" b="1" kern="0">
+                        <a:rPr lang="en-US" sz="1400" b="1" kern="0" dirty="0">
                           <a:effectLst/>
                           <a:latin typeface="Arial" charset="0"/>
                           <a:ea typeface="맑은 고딕" charset="-127"/>
@@ -36215,7 +36262,7 @@
                         </a:rPr>
                         <a:t>ID</a:t>
                       </a:r>
-                      <a:endParaRPr lang="ko-KR" sz="1400" kern="100">
+                      <a:endParaRPr lang="ko-KR" sz="1400" kern="100" dirty="0">
                         <a:effectLst/>
                         <a:latin typeface="맑은 고딕" charset="-127"/>
                         <a:ea typeface="맑은 고딕" charset="-127"/>
@@ -36427,17 +36474,17 @@
                       <a:r>
                         <a:rPr lang="en-US" sz="1400" kern="0">
                           <a:effectLst/>
-                          <a:latin typeface="Arial" charset="0"/>
+                          <a:latin typeface="Arial" pitchFamily="34" charset="0"/>
                           <a:ea typeface="맑은 고딕" charset="-127"/>
-                          <a:cs typeface="Times New Roman" charset="0"/>
+                          <a:cs typeface="Arial" pitchFamily="34" charset="0"/>
                         </a:rPr>
                         <a:t>FR01</a:t>
                       </a:r>
                       <a:endParaRPr lang="ko-KR" sz="1400" kern="100">
                         <a:effectLst/>
-                        <a:latin typeface="맑은 고딕" charset="-127"/>
+                        <a:latin typeface="Arial" pitchFamily="34" charset="0"/>
                         <a:ea typeface="맑은 고딕" charset="-127"/>
-                        <a:cs typeface="Times New Roman" charset="0"/>
+                        <a:cs typeface="Arial" pitchFamily="34" charset="0"/>
                       </a:endParaRPr>
                     </a:p>
                   </a:txBody>
@@ -36499,17 +36546,17 @@
                       <a:r>
                         <a:rPr lang="en-US" sz="1400" kern="0" dirty="0">
                           <a:effectLst/>
-                          <a:latin typeface="Arial" charset="0"/>
+                          <a:latin typeface="Arial" pitchFamily="34" charset="0"/>
                           <a:ea typeface="맑은 고딕" charset="-127"/>
-                          <a:cs typeface="Times New Roman" charset="0"/>
+                          <a:cs typeface="Arial" pitchFamily="34" charset="0"/>
                         </a:rPr>
                         <a:t>The system must detect cars in parking space.</a:t>
                       </a:r>
                       <a:endParaRPr lang="ko-KR" sz="1400" kern="100" dirty="0">
                         <a:effectLst/>
-                        <a:latin typeface="맑은 고딕" charset="-127"/>
+                        <a:latin typeface="Arial" pitchFamily="34" charset="0"/>
                         <a:ea typeface="맑은 고딕" charset="-127"/>
-                        <a:cs typeface="Times New Roman" charset="0"/>
+                        <a:cs typeface="Arial" pitchFamily="34" charset="0"/>
                       </a:endParaRPr>
                     </a:p>
                   </a:txBody>
@@ -36645,17 +36692,17 @@
                       <a:r>
                         <a:rPr lang="en-US" sz="1400" kern="0">
                           <a:effectLst/>
-                          <a:latin typeface="Arial" charset="0"/>
+                          <a:latin typeface="Arial" pitchFamily="34" charset="0"/>
                           <a:ea typeface="맑은 고딕" charset="-127"/>
-                          <a:cs typeface="Times New Roman" charset="0"/>
+                          <a:cs typeface="Arial" pitchFamily="34" charset="0"/>
                         </a:rPr>
                         <a:t>FR02</a:t>
                       </a:r>
                       <a:endParaRPr lang="ko-KR" sz="1400" kern="100">
                         <a:effectLst/>
-                        <a:latin typeface="맑은 고딕" charset="-127"/>
+                        <a:latin typeface="Arial" pitchFamily="34" charset="0"/>
                         <a:ea typeface="맑은 고딕" charset="-127"/>
-                        <a:cs typeface="Times New Roman" charset="0"/>
+                        <a:cs typeface="Arial" pitchFamily="34" charset="0"/>
                       </a:endParaRPr>
                     </a:p>
                   </a:txBody>
@@ -36715,19 +36762,22 @@
                         </a:spcAft>
                       </a:pPr>
                       <a:r>
-                        <a:rPr lang="en-US" sz="1400" kern="0">
-                          <a:effectLst/>
-                          <a:latin typeface="Arial" charset="0"/>
-                          <a:ea typeface="맑은 고딕" charset="-127"/>
-                          <a:cs typeface="Times New Roman" charset="0"/>
-                        </a:rPr>
-                        <a:t>The system must detect when cars are parked incorrectly. If a car straddle on parking slot lanes, the system shall blink LED and the system shall inform it to attendants in 2 minutes.</a:t>
-                      </a:r>
-                      <a:endParaRPr lang="ko-KR" sz="1400" kern="100">
-                        <a:effectLst/>
-                        <a:latin typeface="맑은 고딕" charset="-127"/>
+                        <a:rPr lang="en-US" altLang="ko-KR" sz="1400" kern="1200" dirty="0" smtClean="0">
+                          <a:solidFill>
+                            <a:schemeClr val="tx1"/>
+                          </a:solidFill>
+                          <a:effectLst/>
+                          <a:latin typeface="Arial" pitchFamily="34" charset="0"/>
+                          <a:ea typeface="+mn-ea"/>
+                          <a:cs typeface="Arial" pitchFamily="34" charset="0"/>
+                        </a:rPr>
+                        <a:t>The system must open and close the entry/exit gates.</a:t>
+                      </a:r>
+                      <a:endParaRPr lang="ko-KR" sz="1400" kern="100" dirty="0">
+                        <a:effectLst/>
+                        <a:latin typeface="Arial" pitchFamily="34" charset="0"/>
                         <a:ea typeface="맑은 고딕" charset="-127"/>
-                        <a:cs typeface="Times New Roman" charset="0"/>
+                        <a:cs typeface="Arial" pitchFamily="34" charset="0"/>
                       </a:endParaRPr>
                     </a:p>
                   </a:txBody>
@@ -36802,17 +36852,17 @@
                       <a:r>
                         <a:rPr lang="en-US" sz="1400" kern="0">
                           <a:effectLst/>
-                          <a:latin typeface="Arial" charset="0"/>
+                          <a:latin typeface="Arial" pitchFamily="34" charset="0"/>
                           <a:ea typeface="맑은 고딕" charset="-127"/>
-                          <a:cs typeface="Times New Roman" charset="0"/>
+                          <a:cs typeface="Arial" pitchFamily="34" charset="0"/>
                         </a:rPr>
                         <a:t>FR03</a:t>
                       </a:r>
                       <a:endParaRPr lang="ko-KR" sz="1400" kern="100">
                         <a:effectLst/>
-                        <a:latin typeface="맑은 고딕" charset="-127"/>
+                        <a:latin typeface="Arial" pitchFamily="34" charset="0"/>
                         <a:ea typeface="맑은 고딕" charset="-127"/>
-                        <a:cs typeface="Times New Roman" charset="0"/>
+                        <a:cs typeface="Arial" pitchFamily="34" charset="0"/>
                       </a:endParaRPr>
                     </a:p>
                   </a:txBody>
@@ -36872,19 +36922,22 @@
                         </a:spcAft>
                       </a:pPr>
                       <a:r>
-                        <a:rPr lang="en-US" sz="1400" kern="0">
-                          <a:effectLst/>
-                          <a:latin typeface="Arial" charset="0"/>
-                          <a:ea typeface="맑은 고딕" charset="-127"/>
-                          <a:cs typeface="Times New Roman" charset="0"/>
-                        </a:rPr>
-                        <a:t>The system must open and close an entry gate.</a:t>
-                      </a:r>
-                      <a:endParaRPr lang="ko-KR" sz="1400" kern="100">
-                        <a:effectLst/>
-                        <a:latin typeface="맑은 고딕" charset="-127"/>
+                        <a:rPr lang="en-US" altLang="ko-KR" sz="1400" kern="1200" dirty="0" smtClean="0">
+                          <a:solidFill>
+                            <a:schemeClr val="tx1"/>
+                          </a:solidFill>
+                          <a:effectLst/>
+                          <a:latin typeface="Arial" pitchFamily="34" charset="0"/>
+                          <a:ea typeface="+mn-ea"/>
+                          <a:cs typeface="Arial" pitchFamily="34" charset="0"/>
+                        </a:rPr>
+                        <a:t>The system must control the entry/exit gate LEDs</a:t>
+                      </a:r>
+                      <a:endParaRPr lang="ko-KR" sz="1400" kern="100" dirty="0">
+                        <a:effectLst/>
+                        <a:latin typeface="Arial" pitchFamily="34" charset="0"/>
                         <a:ea typeface="맑은 고딕" charset="-127"/>
-                        <a:cs typeface="Times New Roman" charset="0"/>
+                        <a:cs typeface="Arial" pitchFamily="34" charset="0"/>
                       </a:endParaRPr>
                     </a:p>
                   </a:txBody>
@@ -36959,17 +37012,17 @@
                       <a:r>
                         <a:rPr lang="en-US" sz="1400" kern="0">
                           <a:effectLst/>
-                          <a:latin typeface="Arial" charset="0"/>
+                          <a:latin typeface="Arial" pitchFamily="34" charset="0"/>
                           <a:ea typeface="맑은 고딕" charset="-127"/>
-                          <a:cs typeface="Times New Roman" charset="0"/>
+                          <a:cs typeface="Arial" pitchFamily="34" charset="0"/>
                         </a:rPr>
                         <a:t>FR04</a:t>
                       </a:r>
                       <a:endParaRPr lang="ko-KR" sz="1400" kern="100">
                         <a:effectLst/>
-                        <a:latin typeface="맑은 고딕" charset="-127"/>
+                        <a:latin typeface="Arial" pitchFamily="34" charset="0"/>
                         <a:ea typeface="맑은 고딕" charset="-127"/>
-                        <a:cs typeface="Times New Roman" charset="0"/>
+                        <a:cs typeface="Arial" pitchFamily="34" charset="0"/>
                       </a:endParaRPr>
                     </a:p>
                   </a:txBody>
@@ -37029,19 +37082,22 @@
                         </a:spcAft>
                       </a:pPr>
                       <a:r>
-                        <a:rPr lang="en-US" sz="1400" kern="0">
-                          <a:effectLst/>
-                          <a:latin typeface="Arial" charset="0"/>
-                          <a:ea typeface="맑은 고딕" charset="-127"/>
-                          <a:cs typeface="Times New Roman" charset="0"/>
-                        </a:rPr>
-                        <a:t>The system must detect when cars arrive at the gate.</a:t>
-                      </a:r>
-                      <a:endParaRPr lang="ko-KR" sz="1400" kern="100">
-                        <a:effectLst/>
-                        <a:latin typeface="맑은 고딕" charset="-127"/>
+                        <a:rPr lang="en-US" altLang="ko-KR" sz="1400" kern="1200" dirty="0" smtClean="0">
+                          <a:solidFill>
+                            <a:schemeClr val="tx1"/>
+                          </a:solidFill>
+                          <a:effectLst/>
+                          <a:latin typeface="Arial" pitchFamily="34" charset="0"/>
+                          <a:ea typeface="+mn-ea"/>
+                          <a:cs typeface="Arial" pitchFamily="34" charset="0"/>
+                        </a:rPr>
+                        <a:t>The system must detect when cars arrive at the entry/exit gates.</a:t>
+                      </a:r>
+                      <a:endParaRPr lang="ko-KR" sz="1400" kern="100" dirty="0">
+                        <a:effectLst/>
+                        <a:latin typeface="Arial" pitchFamily="34" charset="0"/>
                         <a:ea typeface="맑은 고딕" charset="-127"/>
-                        <a:cs typeface="Times New Roman" charset="0"/>
+                        <a:cs typeface="Arial" pitchFamily="34" charset="0"/>
                       </a:endParaRPr>
                     </a:p>
                   </a:txBody>
@@ -37116,17 +37172,17 @@
                       <a:r>
                         <a:rPr lang="en-US" sz="1400" kern="0">
                           <a:effectLst/>
-                          <a:latin typeface="Arial" charset="0"/>
+                          <a:latin typeface="Arial" pitchFamily="34" charset="0"/>
                           <a:ea typeface="맑은 고딕" charset="-127"/>
-                          <a:cs typeface="Times New Roman" charset="0"/>
+                          <a:cs typeface="Arial" pitchFamily="34" charset="0"/>
                         </a:rPr>
                         <a:t>FR05</a:t>
                       </a:r>
                       <a:endParaRPr lang="ko-KR" sz="1400" kern="100">
                         <a:effectLst/>
-                        <a:latin typeface="맑은 고딕" charset="-127"/>
+                        <a:latin typeface="Arial" pitchFamily="34" charset="0"/>
                         <a:ea typeface="맑은 고딕" charset="-127"/>
-                        <a:cs typeface="Times New Roman" charset="0"/>
+                        <a:cs typeface="Arial" pitchFamily="34" charset="0"/>
                       </a:endParaRPr>
                     </a:p>
                   </a:txBody>
@@ -37186,19 +37242,19 @@
                         </a:spcAft>
                       </a:pPr>
                       <a:r>
-                        <a:rPr lang="en-US" sz="1400" kern="0">
-                          <a:effectLst/>
-                          <a:latin typeface="Arial" charset="0"/>
+                        <a:rPr lang="en-US" sz="1400" kern="0" dirty="0">
+                          <a:effectLst/>
+                          <a:latin typeface="Arial" pitchFamily="34" charset="0"/>
                           <a:ea typeface="맑은 고딕" charset="-127"/>
-                          <a:cs typeface="Times New Roman" charset="0"/>
+                          <a:cs typeface="Arial" pitchFamily="34" charset="0"/>
                         </a:rPr>
                         <a:t>The system shall allow drivers to reserve parking spaces.</a:t>
                       </a:r>
-                      <a:endParaRPr lang="ko-KR" sz="1400" kern="100">
-                        <a:effectLst/>
-                        <a:latin typeface="맑은 고딕" charset="-127"/>
+                      <a:endParaRPr lang="ko-KR" sz="1400" kern="100" dirty="0">
+                        <a:effectLst/>
+                        <a:latin typeface="Arial" pitchFamily="34" charset="0"/>
                         <a:ea typeface="맑은 고딕" charset="-127"/>
-                        <a:cs typeface="Times New Roman" charset="0"/>
+                        <a:cs typeface="Arial" pitchFamily="34" charset="0"/>
                       </a:endParaRPr>
                     </a:p>
                     <a:p>
@@ -37211,19 +37267,19 @@
                         </a:spcAft>
                       </a:pPr>
                       <a:r>
-                        <a:rPr lang="en-US" sz="1400" kern="0">
-                          <a:effectLst/>
-                          <a:latin typeface="Arial" charset="0"/>
+                        <a:rPr lang="en-US" sz="1400" kern="0" dirty="0">
+                          <a:effectLst/>
+                          <a:latin typeface="Arial" pitchFamily="34" charset="0"/>
                           <a:ea typeface="맑은 고딕" charset="-127"/>
-                          <a:cs typeface="Times New Roman" charset="0"/>
+                          <a:cs typeface="Arial" pitchFamily="34" charset="0"/>
                         </a:rPr>
                         <a:t>Reservations will be made via a mobile app, a laptop, or a desktop app for drivers.</a:t>
                       </a:r>
-                      <a:endParaRPr lang="ko-KR" sz="1400" kern="100">
-                        <a:effectLst/>
-                        <a:latin typeface="맑은 고딕" charset="-127"/>
+                      <a:endParaRPr lang="ko-KR" sz="1400" kern="100" dirty="0">
+                        <a:effectLst/>
+                        <a:latin typeface="Arial" pitchFamily="34" charset="0"/>
                         <a:ea typeface="맑은 고딕" charset="-127"/>
-                        <a:cs typeface="Times New Roman" charset="0"/>
+                        <a:cs typeface="Arial" pitchFamily="34" charset="0"/>
                       </a:endParaRPr>
                     </a:p>
                   </a:txBody>
@@ -37359,17 +37415,17 @@
                       <a:r>
                         <a:rPr lang="en-US" sz="1400" kern="0">
                           <a:effectLst/>
-                          <a:latin typeface="Arial" charset="0"/>
+                          <a:latin typeface="Arial" pitchFamily="34" charset="0"/>
                           <a:ea typeface="맑은 고딕" charset="-127"/>
-                          <a:cs typeface="Times New Roman" charset="0"/>
+                          <a:cs typeface="Arial" pitchFamily="34" charset="0"/>
                         </a:rPr>
                         <a:t>FR06</a:t>
                       </a:r>
                       <a:endParaRPr lang="ko-KR" sz="1400" kern="100">
                         <a:effectLst/>
-                        <a:latin typeface="맑은 고딕" charset="-127"/>
+                        <a:latin typeface="Arial" pitchFamily="34" charset="0"/>
                         <a:ea typeface="맑은 고딕" charset="-127"/>
-                        <a:cs typeface="Times New Roman" charset="0"/>
+                        <a:cs typeface="Arial" pitchFamily="34" charset="0"/>
                       </a:endParaRPr>
                     </a:p>
                   </a:txBody>
@@ -37431,17 +37487,17 @@
                       <a:r>
                         <a:rPr lang="en-US" sz="1400" kern="0" dirty="0">
                           <a:effectLst/>
-                          <a:latin typeface="Arial" charset="0"/>
+                          <a:latin typeface="Arial" pitchFamily="34" charset="0"/>
                           <a:ea typeface="맑은 고딕" charset="-127"/>
-                          <a:cs typeface="Times New Roman" charset="0"/>
+                          <a:cs typeface="Arial" pitchFamily="34" charset="0"/>
                         </a:rPr>
                         <a:t>For reservation, drivers must sign up the system so that the system can prevent from unauthorized users.</a:t>
                       </a:r>
                       <a:endParaRPr lang="ko-KR" sz="1400" kern="100" dirty="0">
                         <a:effectLst/>
-                        <a:latin typeface="맑은 고딕" charset="-127"/>
+                        <a:latin typeface="Arial" pitchFamily="34" charset="0"/>
                         <a:ea typeface="맑은 고딕" charset="-127"/>
-                        <a:cs typeface="Times New Roman" charset="0"/>
+                        <a:cs typeface="Arial" pitchFamily="34" charset="0"/>
                       </a:endParaRPr>
                     </a:p>
                   </a:txBody>
@@ -37516,17 +37572,17 @@
                       <a:r>
                         <a:rPr lang="en-US" sz="1400" kern="0">
                           <a:effectLst/>
-                          <a:latin typeface="Arial" charset="0"/>
+                          <a:latin typeface="Arial" pitchFamily="34" charset="0"/>
                           <a:ea typeface="맑은 고딕" charset="-127"/>
-                          <a:cs typeface="Times New Roman" charset="0"/>
+                          <a:cs typeface="Arial" pitchFamily="34" charset="0"/>
                         </a:rPr>
                         <a:t>FR07</a:t>
                       </a:r>
                       <a:endParaRPr lang="ko-KR" sz="1400" kern="100">
                         <a:effectLst/>
-                        <a:latin typeface="맑은 고딕" charset="-127"/>
+                        <a:latin typeface="Arial" pitchFamily="34" charset="0"/>
                         <a:ea typeface="맑은 고딕" charset="-127"/>
-                        <a:cs typeface="Times New Roman" charset="0"/>
+                        <a:cs typeface="Arial" pitchFamily="34" charset="0"/>
                       </a:endParaRPr>
                     </a:p>
                   </a:txBody>
@@ -37588,17 +37644,17 @@
                       <a:r>
                         <a:rPr lang="en-US" sz="1400" kern="0">
                           <a:effectLst/>
-                          <a:latin typeface="Arial" charset="0"/>
+                          <a:latin typeface="Arial" pitchFamily="34" charset="0"/>
                           <a:ea typeface="맑은 고딕" charset="-127"/>
-                          <a:cs typeface="Times New Roman" charset="0"/>
+                          <a:cs typeface="Arial" pitchFamily="34" charset="0"/>
                         </a:rPr>
                         <a:t>The system must provide available parking slot information to drivers.</a:t>
                       </a:r>
                       <a:endParaRPr lang="ko-KR" sz="1400" kern="100">
                         <a:effectLst/>
-                        <a:latin typeface="맑은 고딕" charset="-127"/>
+                        <a:latin typeface="Arial" pitchFamily="34" charset="0"/>
                         <a:ea typeface="맑은 고딕" charset="-127"/>
-                        <a:cs typeface="Times New Roman" charset="0"/>
+                        <a:cs typeface="Arial" pitchFamily="34" charset="0"/>
                       </a:endParaRPr>
                     </a:p>
                   </a:txBody>
@@ -37673,17 +37729,17 @@
                       <a:r>
                         <a:rPr lang="en-US" sz="1400" kern="0">
                           <a:effectLst/>
-                          <a:latin typeface="Arial" charset="0"/>
+                          <a:latin typeface="Arial" pitchFamily="34" charset="0"/>
                           <a:ea typeface="맑은 고딕" charset="-127"/>
-                          <a:cs typeface="Times New Roman" charset="0"/>
+                          <a:cs typeface="Arial" pitchFamily="34" charset="0"/>
                         </a:rPr>
                         <a:t>FR08</a:t>
                       </a:r>
                       <a:endParaRPr lang="ko-KR" sz="1400" kern="100">
                         <a:effectLst/>
-                        <a:latin typeface="맑은 고딕" charset="-127"/>
+                        <a:latin typeface="Arial" pitchFamily="34" charset="0"/>
                         <a:ea typeface="맑은 고딕" charset="-127"/>
-                        <a:cs typeface="Times New Roman" charset="0"/>
+                        <a:cs typeface="Arial" pitchFamily="34" charset="0"/>
                       </a:endParaRPr>
                     </a:p>
                   </a:txBody>
@@ -37745,35 +37801,35 @@
                       <a:r>
                         <a:rPr lang="en-US" sz="1400" kern="0">
                           <a:effectLst/>
-                          <a:latin typeface="Arial" charset="0"/>
+                          <a:latin typeface="Arial" pitchFamily="34" charset="0"/>
                           <a:ea typeface="맑은 고딕" charset="-127"/>
-                          <a:cs typeface="Times New Roman" charset="0"/>
+                          <a:cs typeface="Arial" pitchFamily="34" charset="0"/>
                         </a:rPr>
                         <a:t>Drivers must provide a </a:t>
                       </a:r>
                       <a:r>
                         <a:rPr lang="en-US" sz="1400" u="sng" kern="0">
                           <a:effectLst/>
-                          <a:latin typeface="Arial" charset="0"/>
+                          <a:latin typeface="Arial" pitchFamily="34" charset="0"/>
                           <a:ea typeface="맑은 고딕" charset="-127"/>
-                          <a:cs typeface="Times New Roman" charset="0"/>
+                          <a:cs typeface="Arial" pitchFamily="34" charset="0"/>
                         </a:rPr>
                         <a:t>license plate</a:t>
                       </a:r>
                       <a:r>
                         <a:rPr lang="en-US" sz="1400" kern="0">
                           <a:effectLst/>
-                          <a:latin typeface="Arial" charset="0"/>
+                          <a:latin typeface="Arial" pitchFamily="34" charset="0"/>
                           <a:ea typeface="맑은 고딕" charset="-127"/>
-                          <a:cs typeface="Times New Roman" charset="0"/>
+                          <a:cs typeface="Arial" pitchFamily="34" charset="0"/>
                         </a:rPr>
                         <a:t> (identifying information), the day and time they would like to park, and credit card information (payment information).</a:t>
                       </a:r>
                       <a:endParaRPr lang="ko-KR" sz="1400" kern="100">
                         <a:effectLst/>
-                        <a:latin typeface="맑은 고딕" charset="-127"/>
+                        <a:latin typeface="Arial" pitchFamily="34" charset="0"/>
                         <a:ea typeface="맑은 고딕" charset="-127"/>
-                        <a:cs typeface="Times New Roman" charset="0"/>
+                        <a:cs typeface="Arial" pitchFamily="34" charset="0"/>
                       </a:endParaRPr>
                     </a:p>
                   </a:txBody>
@@ -37851,17 +37907,17 @@
                             <a:srgbClr val="000000"/>
                           </a:solidFill>
                           <a:effectLst/>
-                          <a:latin typeface="Arial" charset="0"/>
+                          <a:latin typeface="Arial" pitchFamily="34" charset="0"/>
                           <a:ea typeface="맑은 고딕" charset="-127"/>
-                          <a:cs typeface="Times New Roman" charset="0"/>
+                          <a:cs typeface="Arial" pitchFamily="34" charset="0"/>
                         </a:rPr>
                         <a:t>FR09</a:t>
                       </a:r>
                       <a:endParaRPr lang="ko-KR" sz="1400" kern="100">
                         <a:effectLst/>
-                        <a:latin typeface="맑은 고딕" charset="-127"/>
+                        <a:latin typeface="Arial" pitchFamily="34" charset="0"/>
                         <a:ea typeface="맑은 고딕" charset="-127"/>
-                        <a:cs typeface="Times New Roman" charset="0"/>
+                        <a:cs typeface="Arial" pitchFamily="34" charset="0"/>
                       </a:endParaRPr>
                     </a:p>
                   </a:txBody>
@@ -37926,9 +37982,9 @@
                             <a:srgbClr val="000000"/>
                           </a:solidFill>
                           <a:effectLst/>
-                          <a:latin typeface="Arial" charset="0"/>
+                          <a:latin typeface="Arial" pitchFamily="34" charset="0"/>
                           <a:ea typeface="맑은 고딕" charset="-127"/>
-                          <a:cs typeface="Times New Roman" charset="0"/>
+                          <a:cs typeface="Arial" pitchFamily="34" charset="0"/>
                         </a:rPr>
                         <a:t>The system must return a </a:t>
                       </a:r>
@@ -37938,9 +37994,9 @@
                             <a:srgbClr val="000000"/>
                           </a:solidFill>
                           <a:effectLst/>
-                          <a:latin typeface="Arial" charset="0"/>
+                          <a:latin typeface="Arial" pitchFamily="34" charset="0"/>
                           <a:ea typeface="맑은 고딕" charset="-127"/>
-                          <a:cs typeface="Times New Roman" charset="0"/>
+                          <a:cs typeface="Arial" pitchFamily="34" charset="0"/>
                         </a:rPr>
                         <a:t>confirmation information</a:t>
                       </a:r>
@@ -37950,17 +38006,17 @@
                             <a:srgbClr val="000000"/>
                           </a:solidFill>
                           <a:effectLst/>
-                          <a:latin typeface="Arial" charset="0"/>
+                          <a:latin typeface="Arial" pitchFamily="34" charset="0"/>
                           <a:ea typeface="맑은 고딕" charset="-127"/>
-                          <a:cs typeface="Times New Roman" charset="0"/>
+                          <a:cs typeface="Arial" pitchFamily="34" charset="0"/>
                         </a:rPr>
                         <a:t> to the driver if reservation is succeed.</a:t>
                       </a:r>
                       <a:endParaRPr lang="ko-KR" sz="1400" kern="100">
                         <a:effectLst/>
-                        <a:latin typeface="맑은 고딕" charset="-127"/>
+                        <a:latin typeface="Arial" pitchFamily="34" charset="0"/>
                         <a:ea typeface="맑은 고딕" charset="-127"/>
-                        <a:cs typeface="Times New Roman" charset="0"/>
+                        <a:cs typeface="Arial" pitchFamily="34" charset="0"/>
                       </a:endParaRPr>
                     </a:p>
                   </a:txBody>
@@ -38038,17 +38094,17 @@
                             <a:srgbClr val="000000"/>
                           </a:solidFill>
                           <a:effectLst/>
-                          <a:latin typeface="Arial" charset="0"/>
+                          <a:latin typeface="Arial" pitchFamily="34" charset="0"/>
                           <a:ea typeface="맑은 고딕" charset="-127"/>
-                          <a:cs typeface="Times New Roman" charset="0"/>
+                          <a:cs typeface="Arial" pitchFamily="34" charset="0"/>
                         </a:rPr>
                         <a:t>FR10</a:t>
                       </a:r>
                       <a:endParaRPr lang="ko-KR" sz="1400" kern="100">
                         <a:effectLst/>
-                        <a:latin typeface="맑은 고딕" charset="-127"/>
+                        <a:latin typeface="Arial" pitchFamily="34" charset="0"/>
                         <a:ea typeface="맑은 고딕" charset="-127"/>
-                        <a:cs typeface="Times New Roman" charset="0"/>
+                        <a:cs typeface="Arial" pitchFamily="34" charset="0"/>
                       </a:endParaRPr>
                     </a:p>
                   </a:txBody>
@@ -38113,17 +38169,17 @@
                             <a:srgbClr val="000000"/>
                           </a:solidFill>
                           <a:effectLst/>
-                          <a:latin typeface="Arial" charset="0"/>
+                          <a:latin typeface="Arial" pitchFamily="34" charset="0"/>
                           <a:ea typeface="맑은 고딕" charset="-127"/>
-                          <a:cs typeface="Times New Roman" charset="0"/>
+                          <a:cs typeface="Arial" pitchFamily="34" charset="0"/>
                         </a:rPr>
                         <a:t>The system must check the confirmation information to verify the deriver's information and reservation.</a:t>
                       </a:r>
                       <a:endParaRPr lang="ko-KR" sz="1400" kern="100">
                         <a:effectLst/>
-                        <a:latin typeface="맑은 고딕" charset="-127"/>
+                        <a:latin typeface="Arial" pitchFamily="34" charset="0"/>
                         <a:ea typeface="맑은 고딕" charset="-127"/>
-                        <a:cs typeface="Times New Roman" charset="0"/>
+                        <a:cs typeface="Arial" pitchFamily="34" charset="0"/>
                       </a:endParaRPr>
                     </a:p>
                   </a:txBody>
@@ -38259,17 +38315,17 @@
                       <a:r>
                         <a:rPr lang="en-US" sz="1400" kern="0">
                           <a:effectLst/>
-                          <a:latin typeface="Arial" charset="0"/>
+                          <a:latin typeface="Arial" pitchFamily="34" charset="0"/>
                           <a:ea typeface="맑은 고딕" charset="-127"/>
-                          <a:cs typeface="Times New Roman" charset="0"/>
+                          <a:cs typeface="Arial" pitchFamily="34" charset="0"/>
                         </a:rPr>
                         <a:t>FR11</a:t>
                       </a:r>
                       <a:endParaRPr lang="ko-KR" sz="1400" kern="100">
                         <a:effectLst/>
-                        <a:latin typeface="맑은 고딕" charset="-127"/>
+                        <a:latin typeface="Arial" pitchFamily="34" charset="0"/>
                         <a:ea typeface="맑은 고딕" charset="-127"/>
-                        <a:cs typeface="Times New Roman" charset="0"/>
+                        <a:cs typeface="Arial" pitchFamily="34" charset="0"/>
                       </a:endParaRPr>
                     </a:p>
                   </a:txBody>
@@ -38331,17 +38387,17 @@
                       <a:r>
                         <a:rPr lang="en-US" sz="1400" kern="0">
                           <a:effectLst/>
-                          <a:latin typeface="Arial" charset="0"/>
+                          <a:latin typeface="Arial" pitchFamily="34" charset="0"/>
                           <a:ea typeface="맑은 고딕" charset="-127"/>
-                          <a:cs typeface="Times New Roman" charset="0"/>
+                          <a:cs typeface="Arial" pitchFamily="34" charset="0"/>
                         </a:rPr>
                         <a:t>“Grace period” must be configurable.</a:t>
                       </a:r>
                       <a:endParaRPr lang="ko-KR" sz="1400" kern="100">
                         <a:effectLst/>
-                        <a:latin typeface="맑은 고딕" charset="-127"/>
+                        <a:latin typeface="Arial" pitchFamily="34" charset="0"/>
                         <a:ea typeface="맑은 고딕" charset="-127"/>
-                        <a:cs typeface="Times New Roman" charset="0"/>
+                        <a:cs typeface="Arial" pitchFamily="34" charset="0"/>
                       </a:endParaRPr>
                     </a:p>
                   </a:txBody>
@@ -38502,17 +38558,17 @@
                       <a:r>
                         <a:rPr lang="en-US" sz="1400" kern="0">
                           <a:effectLst/>
-                          <a:latin typeface="Arial" charset="0"/>
+                          <a:latin typeface="Arial" pitchFamily="34" charset="0"/>
                           <a:ea typeface="맑은 고딕" charset="-127"/>
-                          <a:cs typeface="Times New Roman" charset="0"/>
+                          <a:cs typeface="Arial" pitchFamily="34" charset="0"/>
                         </a:rPr>
                         <a:t>FR12</a:t>
                       </a:r>
                       <a:endParaRPr lang="ko-KR" sz="1400" kern="100">
                         <a:effectLst/>
-                        <a:latin typeface="맑은 고딕" charset="-127"/>
+                        <a:latin typeface="Arial" pitchFamily="34" charset="0"/>
                         <a:ea typeface="맑은 고딕" charset="-127"/>
-                        <a:cs typeface="Times New Roman" charset="0"/>
+                        <a:cs typeface="Arial" pitchFamily="34" charset="0"/>
                       </a:endParaRPr>
                     </a:p>
                   </a:txBody>
@@ -38574,17 +38630,17 @@
                       <a:r>
                         <a:rPr lang="en-US" sz="1400" kern="0" dirty="0">
                           <a:effectLst/>
-                          <a:latin typeface="Arial" charset="0"/>
+                          <a:latin typeface="Arial" pitchFamily="34" charset="0"/>
                           <a:ea typeface="맑은 고딕" charset="-127"/>
-                          <a:cs typeface="Times New Roman" charset="0"/>
+                          <a:cs typeface="Arial" pitchFamily="34" charset="0"/>
                         </a:rPr>
                         <a:t>If the driver does not show up at the start of their reservation time, the system must operate the "grace period".</a:t>
                       </a:r>
                       <a:endParaRPr lang="ko-KR" sz="1400" kern="100" dirty="0">
                         <a:effectLst/>
-                        <a:latin typeface="맑은 고딕" charset="-127"/>
+                        <a:latin typeface="Arial" pitchFamily="34" charset="0"/>
                         <a:ea typeface="맑은 고딕" charset="-127"/>
-                        <a:cs typeface="Times New Roman" charset="0"/>
+                        <a:cs typeface="Arial" pitchFamily="34" charset="0"/>
                       </a:endParaRPr>
                     </a:p>
                   </a:txBody>
@@ -38729,14 +38785,14 @@
           <p:nvPr>
             <p:extLst>
               <p:ext uri="{D42A27DB-BD31-4B8C-83A1-F6EECF244321}">
-                <p14:modId xmlns:p14="http://schemas.microsoft.com/office/powerpoint/2010/main" val="1999447422"/>
+                <p14:modId xmlns:p14="http://schemas.microsoft.com/office/powerpoint/2010/main" val="3961798098"/>
               </p:ext>
             </p:extLst>
           </p:nvPr>
         </p:nvGraphicFramePr>
         <p:xfrm>
-          <a:off x="641350" y="836712"/>
-          <a:ext cx="8559800" cy="5304085"/>
+          <a:off x="641350" y="811154"/>
+          <a:ext cx="8559800" cy="4922103"/>
         </p:xfrm>
         <a:graphic>
           <a:graphicData uri="http://schemas.openxmlformats.org/drawingml/2006/table">
@@ -38762,7 +38818,7 @@
                         </a:spcAft>
                       </a:pPr>
                       <a:r>
-                        <a:rPr lang="en-US" sz="1400" b="1" kern="0">
+                        <a:rPr lang="en-US" sz="1400" b="1" kern="0" dirty="0">
                           <a:effectLst/>
                           <a:latin typeface="Arial" charset="0"/>
                           <a:ea typeface="맑은 고딕" charset="-127"/>
@@ -38770,7 +38826,7 @@
                         </a:rPr>
                         <a:t>ID</a:t>
                       </a:r>
-                      <a:endParaRPr lang="ko-KR" sz="1400" kern="100">
+                      <a:endParaRPr lang="ko-KR" sz="1400" kern="100" dirty="0">
                         <a:effectLst/>
                         <a:latin typeface="맑은 고딕" charset="-127"/>
                         <a:ea typeface="맑은 고딕" charset="-127"/>
@@ -38982,17 +39038,17 @@
                       <a:r>
                         <a:rPr lang="en-US" sz="1400" kern="0" dirty="0">
                           <a:effectLst/>
-                          <a:latin typeface="Arial" charset="0"/>
+                          <a:latin typeface="Arial" pitchFamily="34" charset="0"/>
                           <a:ea typeface="맑은 고딕" charset="-127"/>
-                          <a:cs typeface="Times New Roman" charset="0"/>
+                          <a:cs typeface="Arial" pitchFamily="34" charset="0"/>
                         </a:rPr>
                         <a:t>FR13</a:t>
                       </a:r>
                       <a:endParaRPr lang="ko-KR" sz="1400" kern="100" dirty="0">
                         <a:effectLst/>
-                        <a:latin typeface="맑은 고딕" charset="-127"/>
+                        <a:latin typeface="Arial" pitchFamily="34" charset="0"/>
                         <a:ea typeface="맑은 고딕" charset="-127"/>
-                        <a:cs typeface="Times New Roman" charset="0"/>
+                        <a:cs typeface="Arial" pitchFamily="34" charset="0"/>
                       </a:endParaRPr>
                     </a:p>
                   </a:txBody>
@@ -39054,17 +39110,17 @@
                       <a:r>
                         <a:rPr lang="en-US" sz="1400" kern="0" dirty="0">
                           <a:effectLst/>
-                          <a:latin typeface="Arial" charset="0"/>
+                          <a:latin typeface="Arial" pitchFamily="34" charset="0"/>
                           <a:ea typeface="맑은 고딕" charset="-127"/>
-                          <a:cs typeface="Times New Roman" charset="0"/>
+                          <a:cs typeface="Arial" pitchFamily="34" charset="0"/>
                         </a:rPr>
                         <a:t>If the driver doesn't show up within the grace period, the system must cancel the reservation.</a:t>
                       </a:r>
                       <a:endParaRPr lang="ko-KR" sz="1400" kern="100" dirty="0">
                         <a:effectLst/>
-                        <a:latin typeface="맑은 고딕" charset="-127"/>
+                        <a:latin typeface="Arial" pitchFamily="34" charset="0"/>
                         <a:ea typeface="맑은 고딕" charset="-127"/>
-                        <a:cs typeface="Times New Roman" charset="0"/>
+                        <a:cs typeface="Arial" pitchFamily="34" charset="0"/>
                       </a:endParaRPr>
                     </a:p>
                   </a:txBody>
@@ -39200,17 +39256,17 @@
                       <a:r>
                         <a:rPr lang="en-US" sz="1400" kern="0">
                           <a:effectLst/>
-                          <a:latin typeface="Arial" charset="0"/>
+                          <a:latin typeface="Arial" pitchFamily="34" charset="0"/>
                           <a:ea typeface="맑은 고딕" charset="-127"/>
-                          <a:cs typeface="Times New Roman" charset="0"/>
+                          <a:cs typeface="Arial" pitchFamily="34" charset="0"/>
                         </a:rPr>
                         <a:t>FR14</a:t>
                       </a:r>
                       <a:endParaRPr lang="ko-KR" sz="1400" kern="100">
                         <a:effectLst/>
-                        <a:latin typeface="맑은 고딕" charset="-127"/>
+                        <a:latin typeface="Arial" pitchFamily="34" charset="0"/>
                         <a:ea typeface="맑은 고딕" charset="-127"/>
-                        <a:cs typeface="Times New Roman" charset="0"/>
+                        <a:cs typeface="Arial" pitchFamily="34" charset="0"/>
                       </a:endParaRPr>
                     </a:p>
                   </a:txBody>
@@ -39272,17 +39328,17 @@
                       <a:r>
                         <a:rPr lang="en-US" sz="1400" kern="0" dirty="0">
                           <a:effectLst/>
-                          <a:latin typeface="Arial" charset="0"/>
+                          <a:latin typeface="Arial" pitchFamily="34" charset="0"/>
                           <a:ea typeface="맑은 고딕" charset="-127"/>
-                          <a:cs typeface="Times New Roman" charset="0"/>
+                          <a:cs typeface="Arial" pitchFamily="34" charset="0"/>
                         </a:rPr>
                         <a:t>The system must calculate the total parking fee by hour and it shall charge on their credit card.</a:t>
                       </a:r>
                       <a:endParaRPr lang="ko-KR" sz="1400" kern="100" dirty="0">
                         <a:effectLst/>
-                        <a:latin typeface="맑은 고딕" charset="-127"/>
+                        <a:latin typeface="Arial" pitchFamily="34" charset="0"/>
                         <a:ea typeface="맑은 고딕" charset="-127"/>
-                        <a:cs typeface="Times New Roman" charset="0"/>
+                        <a:cs typeface="Arial" pitchFamily="34" charset="0"/>
                       </a:endParaRPr>
                     </a:p>
                   </a:txBody>
@@ -39418,17 +39474,17 @@
                       <a:r>
                         <a:rPr lang="en-US" sz="1400" kern="0">
                           <a:effectLst/>
-                          <a:latin typeface="Arial" charset="0"/>
+                          <a:latin typeface="Arial" pitchFamily="34" charset="0"/>
                           <a:ea typeface="맑은 고딕" charset="-127"/>
-                          <a:cs typeface="Times New Roman" charset="0"/>
+                          <a:cs typeface="Arial" pitchFamily="34" charset="0"/>
                         </a:rPr>
                         <a:t>FR15</a:t>
                       </a:r>
                       <a:endParaRPr lang="ko-KR" sz="1400" kern="100">
                         <a:effectLst/>
-                        <a:latin typeface="맑은 고딕" charset="-127"/>
+                        <a:latin typeface="Arial" pitchFamily="34" charset="0"/>
                         <a:ea typeface="맑은 고딕" charset="-127"/>
-                        <a:cs typeface="Times New Roman" charset="0"/>
+                        <a:cs typeface="Arial" pitchFamily="34" charset="0"/>
                       </a:endParaRPr>
                     </a:p>
                   </a:txBody>
@@ -39490,17 +39546,17 @@
                       <a:r>
                         <a:rPr lang="en-US" sz="1400" kern="0">
                           <a:effectLst/>
-                          <a:latin typeface="Arial" charset="0"/>
+                          <a:latin typeface="Arial" pitchFamily="34" charset="0"/>
                           <a:ea typeface="맑은 고딕" charset="-127"/>
-                          <a:cs typeface="Times New Roman" charset="0"/>
+                          <a:cs typeface="Arial" pitchFamily="34" charset="0"/>
                         </a:rPr>
                         <a:t>The system must show available parking lots.</a:t>
                       </a:r>
                       <a:endParaRPr lang="ko-KR" sz="1400" kern="100">
                         <a:effectLst/>
-                        <a:latin typeface="맑은 고딕" charset="-127"/>
+                        <a:latin typeface="Arial" pitchFamily="34" charset="0"/>
                         <a:ea typeface="맑은 고딕" charset="-127"/>
-                        <a:cs typeface="Times New Roman" charset="0"/>
+                        <a:cs typeface="Arial" pitchFamily="34" charset="0"/>
                       </a:endParaRPr>
                     </a:p>
                   </a:txBody>
@@ -39546,7 +39602,7 @@
                     </a:solidFill>
                   </a:tcPr>
                 </a:tc>
-                <a:tc rowSpan="4">
+                <a:tc rowSpan="3">
                   <a:txBody>
                     <a:bodyPr/>
                     <a:lstStyle/>
@@ -39636,17 +39692,17 @@
                       <a:r>
                         <a:rPr lang="en-US" sz="1400" kern="0">
                           <a:effectLst/>
-                          <a:latin typeface="Arial" charset="0"/>
+                          <a:latin typeface="Arial" pitchFamily="34" charset="0"/>
                           <a:ea typeface="맑은 고딕" charset="-127"/>
-                          <a:cs typeface="Times New Roman" charset="0"/>
+                          <a:cs typeface="Arial" pitchFamily="34" charset="0"/>
                         </a:rPr>
                         <a:t>FR16</a:t>
                       </a:r>
                       <a:endParaRPr lang="ko-KR" sz="1400" kern="100">
                         <a:effectLst/>
-                        <a:latin typeface="맑은 고딕" charset="-127"/>
+                        <a:latin typeface="Arial" pitchFamily="34" charset="0"/>
                         <a:ea typeface="맑은 고딕" charset="-127"/>
-                        <a:cs typeface="Times New Roman" charset="0"/>
+                        <a:cs typeface="Arial" pitchFamily="34" charset="0"/>
                       </a:endParaRPr>
                     </a:p>
                   </a:txBody>
@@ -39708,17 +39764,17 @@
                       <a:r>
                         <a:rPr lang="en-US" sz="1400" kern="0">
                           <a:effectLst/>
-                          <a:latin typeface="Arial" charset="0"/>
+                          <a:latin typeface="Arial" pitchFamily="34" charset="0"/>
                           <a:ea typeface="맑은 고딕" charset="-127"/>
-                          <a:cs typeface="Times New Roman" charset="0"/>
+                          <a:cs typeface="Arial" pitchFamily="34" charset="0"/>
                         </a:rPr>
                         <a:t>The system must show how long the car has occupied the particular parking lot.</a:t>
                       </a:r>
                       <a:endParaRPr lang="ko-KR" sz="1400" kern="100">
                         <a:effectLst/>
-                        <a:latin typeface="맑은 고딕" charset="-127"/>
+                        <a:latin typeface="Arial" pitchFamily="34" charset="0"/>
                         <a:ea typeface="맑은 고딕" charset="-127"/>
-                        <a:cs typeface="Times New Roman" charset="0"/>
+                        <a:cs typeface="Arial" pitchFamily="34" charset="0"/>
                       </a:endParaRPr>
                     </a:p>
                   </a:txBody>
@@ -39796,17 +39852,17 @@
                             <a:srgbClr val="000000"/>
                           </a:solidFill>
                           <a:effectLst/>
-                          <a:latin typeface="Arial" charset="0"/>
+                          <a:latin typeface="Arial" pitchFamily="34" charset="0"/>
                           <a:ea typeface="맑은 고딕" charset="-127"/>
-                          <a:cs typeface="Times New Roman" charset="0"/>
+                          <a:cs typeface="Arial" pitchFamily="34" charset="0"/>
                         </a:rPr>
                         <a:t>FR17</a:t>
                       </a:r>
                       <a:endParaRPr lang="ko-KR" sz="1400" kern="100">
                         <a:effectLst/>
-                        <a:latin typeface="맑은 고딕" charset="-127"/>
+                        <a:latin typeface="Arial" pitchFamily="34" charset="0"/>
                         <a:ea typeface="맑은 고딕" charset="-127"/>
-                        <a:cs typeface="Times New Roman" charset="0"/>
+                        <a:cs typeface="Arial" pitchFamily="34" charset="0"/>
                       </a:endParaRPr>
                     </a:p>
                   </a:txBody>
@@ -39866,22 +39922,22 @@
                         </a:spcAft>
                       </a:pPr>
                       <a:r>
-                        <a:rPr lang="en-US" sz="1400" kern="0">
+                        <a:rPr lang="en-US" altLang="ko-KR" sz="1400" kern="1200" dirty="0" smtClean="0">
                           <a:solidFill>
-                            <a:srgbClr val="000000"/>
+                            <a:schemeClr val="tx1"/>
                           </a:solidFill>
                           <a:effectLst/>
-                          <a:latin typeface="Arial" charset="0"/>
-                          <a:ea typeface="맑은 고딕" charset="-127"/>
-                          <a:cs typeface="Times New Roman" charset="0"/>
-                        </a:rPr>
-                        <a:t>The system must notify the attendant if a driver parks other spot, and it will reallocate the parking lot.</a:t>
-                      </a:r>
-                      <a:endParaRPr lang="ko-KR" sz="1400" kern="100">
-                        <a:effectLst/>
-                        <a:latin typeface="맑은 고딕" charset="-127"/>
+                          <a:latin typeface="Arial" pitchFamily="34" charset="0"/>
+                          <a:ea typeface="+mn-ea"/>
+                          <a:cs typeface="Arial" pitchFamily="34" charset="0"/>
+                        </a:rPr>
+                        <a:t>The system must show the status when a driver parks in the wrong parking space and must automatically reassign parking spaces and correlate associated reservations.</a:t>
+                      </a:r>
+                      <a:endParaRPr lang="ko-KR" sz="1400" kern="100" dirty="0">
+                        <a:effectLst/>
+                        <a:latin typeface="Arial" pitchFamily="34" charset="0"/>
                         <a:ea typeface="맑은 고딕" charset="-127"/>
-                        <a:cs typeface="Times New Roman" charset="0"/>
+                        <a:cs typeface="Arial" pitchFamily="34" charset="0"/>
                       </a:endParaRPr>
                     </a:p>
                   </a:txBody>
@@ -39939,7 +39995,7 @@
                   <a:tcPr/>
                 </a:tc>
               </a:tr>
-              <a:tr h="182876">
+              <a:tr h="255471">
                 <a:tc>
                   <a:txBody>
                     <a:bodyPr/>
@@ -39954,19 +40010,19 @@
                         </a:spcAft>
                       </a:pPr>
                       <a:r>
-                        <a:rPr lang="en-US" sz="1400" kern="0">
-                          <a:effectLst/>
-                          <a:latin typeface="Arial" charset="0"/>
+                        <a:rPr lang="en-US" sz="1400" kern="0" dirty="0" smtClean="0">
+                          <a:effectLst/>
+                          <a:latin typeface="Arial" pitchFamily="34" charset="0"/>
                           <a:ea typeface="맑은 고딕" charset="-127"/>
-                          <a:cs typeface="Times New Roman" charset="0"/>
+                          <a:cs typeface="Arial" pitchFamily="34" charset="0"/>
                         </a:rPr>
                         <a:t>FR18</a:t>
                       </a:r>
-                      <a:endParaRPr lang="ko-KR" sz="1400" kern="100">
-                        <a:effectLst/>
-                        <a:latin typeface="맑은 고딕" charset="-127"/>
+                      <a:endParaRPr lang="ko-KR" sz="1400" kern="100" dirty="0">
+                        <a:effectLst/>
+                        <a:latin typeface="Arial" pitchFamily="34" charset="0"/>
                         <a:ea typeface="맑은 고딕" charset="-127"/>
-                        <a:cs typeface="Times New Roman" charset="0"/>
+                        <a:cs typeface="Arial" pitchFamily="34" charset="0"/>
                       </a:endParaRPr>
                     </a:p>
                   </a:txBody>
@@ -40028,81 +40084,21 @@
                       <a:r>
                         <a:rPr lang="en-US" sz="1400" kern="0">
                           <a:effectLst/>
-                          <a:latin typeface="Arial" charset="0"/>
+                          <a:latin typeface="Arial" pitchFamily="34" charset="0"/>
                           <a:ea typeface="맑은 고딕" charset="-127"/>
-                          <a:cs typeface="Times New Roman" charset="0"/>
-                        </a:rPr>
-                        <a:t>The system must notify the attendant after 2 minutes if a car crosses the lanes and LED is blinking.</a:t>
+                          <a:cs typeface="Arial" pitchFamily="34" charset="0"/>
+                        </a:rPr>
+                        <a:t>The system must show the facility usage and revenue.</a:t>
                       </a:r>
                       <a:endParaRPr lang="ko-KR" sz="1400" kern="100">
                         <a:effectLst/>
-                        <a:latin typeface="맑은 고딕" charset="-127"/>
+                        <a:latin typeface="Arial" pitchFamily="34" charset="0"/>
                         <a:ea typeface="맑은 고딕" charset="-127"/>
-                        <a:cs typeface="Times New Roman" charset="0"/>
-                      </a:endParaRPr>
-                    </a:p>
-                  </a:txBody>
-                  <a:tcPr marL="18843" marR="18843" marT="18843" marB="18843">
-                    <a:lnL w="12700" cap="flat" cmpd="sng" algn="ctr">
-                      <a:solidFill>
-                        <a:srgbClr val="A3A3A3"/>
-                      </a:solidFill>
-                      <a:prstDash val="solid"/>
-                      <a:round/>
-                      <a:headEnd type="none" w="med" len="med"/>
-                      <a:tailEnd type="none" w="med" len="med"/>
-                    </a:lnL>
-                    <a:lnR w="12700" cap="flat" cmpd="sng" algn="ctr">
-                      <a:solidFill>
-                        <a:srgbClr val="A3A3A3"/>
-                      </a:solidFill>
-                      <a:prstDash val="solid"/>
-                      <a:round/>
-                      <a:headEnd type="none" w="med" len="med"/>
-                      <a:tailEnd type="none" w="med" len="med"/>
-                    </a:lnR>
-                    <a:lnT w="12700" cap="flat" cmpd="sng" algn="ctr">
-                      <a:solidFill>
-                        <a:srgbClr val="A3A3A3"/>
-                      </a:solidFill>
-                      <a:prstDash val="solid"/>
-                      <a:round/>
-                      <a:headEnd type="none" w="med" len="med"/>
-                      <a:tailEnd type="none" w="med" len="med"/>
-                    </a:lnT>
-                    <a:lnB w="12700" cap="flat" cmpd="sng" algn="ctr">
-                      <a:solidFill>
-                        <a:srgbClr val="A3A3A3"/>
-                      </a:solidFill>
-                      <a:prstDash val="solid"/>
-                      <a:round/>
-                      <a:headEnd type="none" w="med" len="med"/>
-                      <a:tailEnd type="none" w="med" len="med"/>
-                    </a:lnB>
-                    <a:solidFill>
-                      <a:srgbClr val="FFFFFF"/>
-                    </a:solidFill>
-                  </a:tcPr>
-                </a:tc>
-                <a:tc vMerge="1">
-                  <a:txBody>
-                    <a:bodyPr/>
-                    <a:lstStyle/>
-                    <a:p>
-                      <a:pPr latinLnBrk="1"/>
-                      <a:endParaRPr lang="ko-KR" altLang="en-US"/>
-                    </a:p>
-                  </a:txBody>
-                  <a:tcPr/>
-                </a:tc>
-              </a:tr>
-              <a:tr h="255471">
-                <a:tc>
-                  <a:txBody>
-                    <a:bodyPr/>
-                    <a:lstStyle/>
-                    <a:p>
-                      <a:pPr algn="ctr" latinLnBrk="0">
+                        <a:cs typeface="Arial" pitchFamily="34" charset="0"/>
+                      </a:endParaRPr>
+                    </a:p>
+                    <a:p>
+                      <a:pPr algn="l" latinLnBrk="0">
                         <a:lnSpc>
                           <a:spcPct val="107000"/>
                         </a:lnSpc>
@@ -40113,114 +40109,17 @@
                       <a:r>
                         <a:rPr lang="en-US" sz="1400" kern="0">
                           <a:effectLst/>
-                          <a:latin typeface="Arial" charset="0"/>
+                          <a:latin typeface="Arial" pitchFamily="34" charset="0"/>
                           <a:ea typeface="맑은 고딕" charset="-127"/>
-                          <a:cs typeface="Times New Roman" charset="0"/>
-                        </a:rPr>
-                        <a:t>FR19</a:t>
+                          <a:cs typeface="Arial" pitchFamily="34" charset="0"/>
+                        </a:rPr>
+                        <a:t>The facility usage must include average occupancy, peak usage hours, parking slot statistics.</a:t>
                       </a:r>
                       <a:endParaRPr lang="ko-KR" sz="1400" kern="100">
                         <a:effectLst/>
-                        <a:latin typeface="맑은 고딕" charset="-127"/>
+                        <a:latin typeface="Arial" pitchFamily="34" charset="0"/>
                         <a:ea typeface="맑은 고딕" charset="-127"/>
-                        <a:cs typeface="Times New Roman" charset="0"/>
-                      </a:endParaRPr>
-                    </a:p>
-                  </a:txBody>
-                  <a:tcPr marL="18843" marR="18843" marT="18843" marB="18843">
-                    <a:lnL w="12700" cap="flat" cmpd="sng" algn="ctr">
-                      <a:solidFill>
-                        <a:srgbClr val="A3A3A3"/>
-                      </a:solidFill>
-                      <a:prstDash val="solid"/>
-                      <a:round/>
-                      <a:headEnd type="none" w="med" len="med"/>
-                      <a:tailEnd type="none" w="med" len="med"/>
-                    </a:lnL>
-                    <a:lnR w="12700" cap="flat" cmpd="sng" algn="ctr">
-                      <a:solidFill>
-                        <a:srgbClr val="A3A3A3"/>
-                      </a:solidFill>
-                      <a:prstDash val="solid"/>
-                      <a:round/>
-                      <a:headEnd type="none" w="med" len="med"/>
-                      <a:tailEnd type="none" w="med" len="med"/>
-                    </a:lnR>
-                    <a:lnT w="12700" cap="flat" cmpd="sng" algn="ctr">
-                      <a:solidFill>
-                        <a:srgbClr val="A3A3A3"/>
-                      </a:solidFill>
-                      <a:prstDash val="solid"/>
-                      <a:round/>
-                      <a:headEnd type="none" w="med" len="med"/>
-                      <a:tailEnd type="none" w="med" len="med"/>
-                    </a:lnT>
-                    <a:lnB w="12700" cap="flat" cmpd="sng" algn="ctr">
-                      <a:solidFill>
-                        <a:srgbClr val="A3A3A3"/>
-                      </a:solidFill>
-                      <a:prstDash val="solid"/>
-                      <a:round/>
-                      <a:headEnd type="none" w="med" len="med"/>
-                      <a:tailEnd type="none" w="med" len="med"/>
-                    </a:lnB>
-                    <a:solidFill>
-                      <a:srgbClr val="FFFFFF"/>
-                    </a:solidFill>
-                  </a:tcPr>
-                </a:tc>
-                <a:tc>
-                  <a:txBody>
-                    <a:bodyPr/>
-                    <a:lstStyle/>
-                    <a:p>
-                      <a:pPr algn="l" latinLnBrk="0">
-                        <a:lnSpc>
-                          <a:spcPct val="107000"/>
-                        </a:lnSpc>
-                        <a:spcAft>
-                          <a:spcPts val="0"/>
-                        </a:spcAft>
-                      </a:pPr>
-                      <a:r>
-                        <a:rPr lang="en-US" sz="1400" kern="0">
-                          <a:effectLst/>
-                          <a:latin typeface="Arial" charset="0"/>
-                          <a:ea typeface="맑은 고딕" charset="-127"/>
-                          <a:cs typeface="Times New Roman" charset="0"/>
-                        </a:rPr>
-                        <a:t>The system must show the facility usage and revenue.</a:t>
-                      </a:r>
-                      <a:endParaRPr lang="ko-KR" sz="1400" kern="100">
-                        <a:effectLst/>
-                        <a:latin typeface="맑은 고딕" charset="-127"/>
-                        <a:ea typeface="맑은 고딕" charset="-127"/>
-                        <a:cs typeface="Times New Roman" charset="0"/>
-                      </a:endParaRPr>
-                    </a:p>
-                    <a:p>
-                      <a:pPr algn="l" latinLnBrk="0">
-                        <a:lnSpc>
-                          <a:spcPct val="107000"/>
-                        </a:lnSpc>
-                        <a:spcAft>
-                          <a:spcPts val="0"/>
-                        </a:spcAft>
-                      </a:pPr>
-                      <a:r>
-                        <a:rPr lang="en-US" sz="1400" kern="0">
-                          <a:effectLst/>
-                          <a:latin typeface="Arial" charset="0"/>
-                          <a:ea typeface="맑은 고딕" charset="-127"/>
-                          <a:cs typeface="Times New Roman" charset="0"/>
-                        </a:rPr>
-                        <a:t>The facility usage must include average occupancy, peak usage hours, parking slot statistics.</a:t>
-                      </a:r>
-                      <a:endParaRPr lang="ko-KR" sz="1400" kern="100">
-                        <a:effectLst/>
-                        <a:latin typeface="맑은 고딕" charset="-127"/>
-                        <a:ea typeface="맑은 고딕" charset="-127"/>
-                        <a:cs typeface="Times New Roman" charset="0"/>
+                        <a:cs typeface="Arial" pitchFamily="34" charset="0"/>
                       </a:endParaRPr>
                     </a:p>
                   </a:txBody>
@@ -40354,19 +40253,19 @@
                         </a:spcAft>
                       </a:pPr>
                       <a:r>
-                        <a:rPr lang="en-US" sz="1400" kern="0">
-                          <a:effectLst/>
-                          <a:latin typeface="Arial" charset="0"/>
+                        <a:rPr lang="en-US" sz="1400" kern="0" dirty="0" smtClean="0">
+                          <a:effectLst/>
+                          <a:latin typeface="Arial" pitchFamily="34" charset="0"/>
                           <a:ea typeface="맑은 고딕" charset="-127"/>
-                          <a:cs typeface="Times New Roman" charset="0"/>
-                        </a:rPr>
-                        <a:t>FR20</a:t>
-                      </a:r>
-                      <a:endParaRPr lang="ko-KR" sz="1400" kern="100">
-                        <a:effectLst/>
-                        <a:latin typeface="맑은 고딕" charset="-127"/>
+                          <a:cs typeface="Arial" pitchFamily="34" charset="0"/>
+                        </a:rPr>
+                        <a:t>FR19</a:t>
+                      </a:r>
+                      <a:endParaRPr lang="ko-KR" sz="1400" kern="100" dirty="0">
+                        <a:effectLst/>
+                        <a:latin typeface="Arial" pitchFamily="34" charset="0"/>
                         <a:ea typeface="맑은 고딕" charset="-127"/>
-                        <a:cs typeface="Times New Roman" charset="0"/>
+                        <a:cs typeface="Arial" pitchFamily="34" charset="0"/>
                       </a:endParaRPr>
                     </a:p>
                   </a:txBody>
@@ -40426,19 +40325,19 @@
                         </a:spcAft>
                       </a:pPr>
                       <a:r>
-                        <a:rPr lang="en-US" sz="1400" kern="0">
-                          <a:effectLst/>
-                          <a:latin typeface="Arial" charset="0"/>
+                        <a:rPr lang="en-US" sz="1400" kern="0" dirty="0">
+                          <a:effectLst/>
+                          <a:latin typeface="Arial" pitchFamily="34" charset="0"/>
                           <a:ea typeface="맑은 고딕" charset="-127"/>
-                          <a:cs typeface="Times New Roman" charset="0"/>
+                          <a:cs typeface="Arial" pitchFamily="34" charset="0"/>
                         </a:rPr>
                         <a:t>The system shall extend analysis algorithms or applications without disrupting operations.</a:t>
                       </a:r>
-                      <a:endParaRPr lang="ko-KR" sz="1400" kern="100">
-                        <a:effectLst/>
-                        <a:latin typeface="맑은 고딕" charset="-127"/>
+                      <a:endParaRPr lang="ko-KR" sz="1400" kern="100" dirty="0">
+                        <a:effectLst/>
+                        <a:latin typeface="Arial" pitchFamily="34" charset="0"/>
                         <a:ea typeface="맑은 고딕" charset="-127"/>
-                        <a:cs typeface="Times New Roman" charset="0"/>
+                        <a:cs typeface="Arial" pitchFamily="34" charset="0"/>
                       </a:endParaRPr>
                     </a:p>
                   </a:txBody>
@@ -40597,19 +40496,19 @@
                         </a:spcAft>
                       </a:pPr>
                       <a:r>
-                        <a:rPr lang="en-US" sz="1400" kern="0">
-                          <a:effectLst/>
-                          <a:latin typeface="Arial" charset="0"/>
+                        <a:rPr lang="en-US" sz="1400" kern="0" dirty="0" smtClean="0">
+                          <a:effectLst/>
+                          <a:latin typeface="Arial" pitchFamily="34" charset="0"/>
                           <a:ea typeface="맑은 고딕" charset="-127"/>
-                          <a:cs typeface="Times New Roman" charset="0"/>
-                        </a:rPr>
-                        <a:t>FR21</a:t>
-                      </a:r>
-                      <a:endParaRPr lang="ko-KR" sz="1400" kern="100">
-                        <a:effectLst/>
-                        <a:latin typeface="맑은 고딕" charset="-127"/>
+                          <a:cs typeface="Arial" pitchFamily="34" charset="0"/>
+                        </a:rPr>
+                        <a:t>FR20</a:t>
+                      </a:r>
+                      <a:endParaRPr lang="ko-KR" sz="1400" kern="100" dirty="0">
+                        <a:effectLst/>
+                        <a:latin typeface="Arial" pitchFamily="34" charset="0"/>
                         <a:ea typeface="맑은 고딕" charset="-127"/>
-                        <a:cs typeface="Times New Roman" charset="0"/>
+                        <a:cs typeface="Arial" pitchFamily="34" charset="0"/>
                       </a:endParaRPr>
                     </a:p>
                   </a:txBody>
@@ -40671,17 +40570,17 @@
                       <a:r>
                         <a:rPr lang="en-US" sz="1400" kern="0">
                           <a:effectLst/>
-                          <a:latin typeface="Arial" charset="0"/>
+                          <a:latin typeface="Arial" pitchFamily="34" charset="0"/>
                           <a:ea typeface="맑은 고딕" charset="-127"/>
-                          <a:cs typeface="Times New Roman" charset="0"/>
+                          <a:cs typeface="Arial" pitchFamily="34" charset="0"/>
                         </a:rPr>
                         <a:t>The system must provide login system for preventing unauthorized users.</a:t>
                       </a:r>
                       <a:endParaRPr lang="ko-KR" sz="1400" kern="100">
                         <a:effectLst/>
-                        <a:latin typeface="맑은 고딕" charset="-127"/>
+                        <a:latin typeface="Arial" pitchFamily="34" charset="0"/>
                         <a:ea typeface="맑은 고딕" charset="-127"/>
-                        <a:cs typeface="Times New Roman" charset="0"/>
+                        <a:cs typeface="Arial" pitchFamily="34" charset="0"/>
                       </a:endParaRPr>
                     </a:p>
                   </a:txBody>
@@ -40800,7 +40699,7 @@
                   </a:tcPr>
                 </a:tc>
               </a:tr>
-              <a:tr h="182876">
+              <a:tr h="452119">
                 <a:tc>
                   <a:txBody>
                     <a:bodyPr/>
@@ -40815,19 +40714,19 @@
                         </a:spcAft>
                       </a:pPr>
                       <a:r>
-                        <a:rPr lang="en-US" sz="1400" kern="0">
-                          <a:effectLst/>
-                          <a:latin typeface="Arial" charset="0"/>
+                        <a:rPr lang="en-US" sz="1400" kern="0" dirty="0" smtClean="0">
+                          <a:effectLst/>
+                          <a:latin typeface="Arial" pitchFamily="34" charset="0"/>
                           <a:ea typeface="맑은 고딕" charset="-127"/>
-                          <a:cs typeface="Times New Roman" charset="0"/>
-                        </a:rPr>
-                        <a:t>FR22</a:t>
-                      </a:r>
-                      <a:endParaRPr lang="ko-KR" sz="1400" kern="100">
-                        <a:effectLst/>
-                        <a:latin typeface="맑은 고딕" charset="-127"/>
+                          <a:cs typeface="Arial" pitchFamily="34" charset="0"/>
+                        </a:rPr>
+                        <a:t>FR21</a:t>
+                      </a:r>
+                      <a:endParaRPr lang="ko-KR" sz="1400" kern="100" dirty="0">
+                        <a:effectLst/>
+                        <a:latin typeface="Arial" pitchFamily="34" charset="0"/>
                         <a:ea typeface="맑은 고딕" charset="-127"/>
-                        <a:cs typeface="Times New Roman" charset="0"/>
+                        <a:cs typeface="Arial" pitchFamily="34" charset="0"/>
                       </a:endParaRPr>
                     </a:p>
                   </a:txBody>
@@ -40889,17 +40788,17 @@
                       <a:r>
                         <a:rPr lang="en-US" sz="1400" kern="0" dirty="0">
                           <a:effectLst/>
-                          <a:latin typeface="Arial" charset="0"/>
+                          <a:latin typeface="Arial" pitchFamily="34" charset="0"/>
                           <a:ea typeface="맑은 고딕" charset="-127"/>
-                          <a:cs typeface="Times New Roman" charset="0"/>
+                          <a:cs typeface="Arial" pitchFamily="34" charset="0"/>
                         </a:rPr>
                         <a:t>The system must not allow anyone to view facility data (reservations, credit cards, etc.) except owner. </a:t>
                       </a:r>
                       <a:endParaRPr lang="ko-KR" sz="1400" kern="100" dirty="0">
                         <a:effectLst/>
-                        <a:latin typeface="맑은 고딕" charset="-127"/>
+                        <a:latin typeface="Arial" pitchFamily="34" charset="0"/>
                         <a:ea typeface="맑은 고딕" charset="-127"/>
-                        <a:cs typeface="Times New Roman" charset="0"/>
+                        <a:cs typeface="Arial" pitchFamily="34" charset="0"/>
                       </a:endParaRPr>
                     </a:p>
                   </a:txBody>
@@ -41430,7 +41329,7 @@
           <p:nvPr>
             <p:extLst>
               <p:ext uri="{D42A27DB-BD31-4B8C-83A1-F6EECF244321}">
-                <p14:modId xmlns:p14="http://schemas.microsoft.com/office/powerpoint/2010/main" val="1435072847"/>
+                <p14:modId xmlns:p14="http://schemas.microsoft.com/office/powerpoint/2010/main" val="4132192750"/>
               </p:ext>
             </p:extLst>
           </p:nvPr>
@@ -41859,16 +41758,25 @@
                           <a:ea typeface="Arial" charset="0"/>
                           <a:cs typeface="Arial" charset="0"/>
                         </a:rPr>
-                        <a:t>(FR03</a:t>
-                      </a:r>
-                      <a:r>
-                        <a:rPr lang="en-US" altLang="ko-KR" sz="1400" kern="100" baseline="0" dirty="0" smtClean="0">
+                        <a:t>(</a:t>
+                      </a:r>
+                      <a:r>
+                        <a:rPr lang="en-US" altLang="ko-KR" sz="1400" kern="100" dirty="0" smtClean="0">
                           <a:effectLst/>
                           <a:latin typeface="Arial" charset="0"/>
                           <a:ea typeface="Arial" charset="0"/>
                           <a:cs typeface="Arial" charset="0"/>
                         </a:rPr>
-                        <a:t>, </a:t>
+                        <a:t>FR02 ~</a:t>
+                      </a:r>
+                      <a:r>
+                        <a:rPr lang="en-US" altLang="ko-KR" sz="1400" kern="100" baseline="0" dirty="0" smtClean="0">
+                          <a:effectLst/>
+                          <a:latin typeface="Arial" charset="0"/>
+                          <a:ea typeface="Arial" charset="0"/>
+                          <a:cs typeface="Arial" charset="0"/>
+                        </a:rPr>
+                        <a:t> </a:t>
                       </a:r>
                       <a:r>
                         <a:rPr lang="en-US" altLang="ko-KR" sz="1400" kern="100" dirty="0" smtClean="0">
@@ -42208,7 +42116,19 @@
                           <a:ea typeface="Arial" charset="0"/>
                           <a:cs typeface="Arial" charset="0"/>
                         </a:rPr>
-                        <a:t>(FR14) Get out the garage and charge scenario</a:t>
+                        <a:t>(FR02, FR03, FR14</a:t>
+                      </a:r>
+                      <a:r>
+                        <a:rPr lang="en-US" altLang="ko-KR" sz="1400" kern="1200" dirty="0" smtClean="0">
+                          <a:solidFill>
+                            <a:schemeClr val="tx1"/>
+                          </a:solidFill>
+                          <a:effectLst/>
+                          <a:latin typeface="Arial" charset="0"/>
+                          <a:ea typeface="Arial" charset="0"/>
+                          <a:cs typeface="Arial" charset="0"/>
+                        </a:rPr>
+                        <a:t>) Get out the garage and charge scenario</a:t>
                       </a:r>
                       <a:r>
                         <a:rPr lang="ko-KR" altLang="ko-KR" sz="1400" dirty="0" smtClean="0">
@@ -42366,19 +42286,7 @@
                           <a:ea typeface="Arial" charset="0"/>
                           <a:cs typeface="Arial" charset="0"/>
                         </a:rPr>
-                        <a:t>(FR01, FR02, FR10, FR17,</a:t>
-                      </a:r>
-                      <a:r>
-                        <a:rPr lang="en-US" altLang="ko-KR" sz="1400" kern="1200" baseline="0" dirty="0" smtClean="0">
-                          <a:solidFill>
-                            <a:schemeClr val="tx1"/>
-                          </a:solidFill>
-                          <a:effectLst/>
-                          <a:latin typeface="Arial" charset="0"/>
-                          <a:ea typeface="Arial" charset="0"/>
-                          <a:cs typeface="Arial" charset="0"/>
-                        </a:rPr>
-                        <a:t> </a:t>
+                        <a:t>(FR01</a:t>
                       </a:r>
                       <a:r>
                         <a:rPr lang="en-US" altLang="ko-KR" sz="1400" kern="1200" dirty="0" smtClean="0">
@@ -42390,7 +42298,43 @@
                           <a:ea typeface="Arial" charset="0"/>
                           <a:cs typeface="Arial" charset="0"/>
                         </a:rPr>
-                        <a:t>FR18) Parking scenario</a:t>
+                        <a:t>, </a:t>
+                      </a:r>
+                      <a:r>
+                        <a:rPr lang="en-US" altLang="ko-KR" sz="1400" kern="1200" dirty="0" smtClean="0">
+                          <a:solidFill>
+                            <a:schemeClr val="tx1"/>
+                          </a:solidFill>
+                          <a:effectLst/>
+                          <a:latin typeface="Arial" charset="0"/>
+                          <a:ea typeface="Arial" charset="0"/>
+                          <a:cs typeface="Arial" charset="0"/>
+                        </a:rPr>
+                        <a:t>FR10, </a:t>
+                      </a:r>
+                      <a:r>
+                        <a:rPr lang="en-US" altLang="ko-KR" sz="1400" kern="1200" dirty="0" smtClean="0">
+                          <a:solidFill>
+                            <a:schemeClr val="tx1"/>
+                          </a:solidFill>
+                          <a:effectLst/>
+                          <a:latin typeface="Arial" charset="0"/>
+                          <a:ea typeface="Arial" charset="0"/>
+                          <a:cs typeface="Arial" charset="0"/>
+                        </a:rPr>
+                        <a:t>FR17) </a:t>
+                      </a:r>
+                      <a:r>
+                        <a:rPr lang="en-US" altLang="ko-KR" sz="1400" kern="1200" dirty="0" smtClean="0">
+                          <a:solidFill>
+                            <a:schemeClr val="tx1"/>
+                          </a:solidFill>
+                          <a:effectLst/>
+                          <a:latin typeface="Arial" charset="0"/>
+                          <a:ea typeface="Arial" charset="0"/>
+                          <a:cs typeface="Arial" charset="0"/>
+                        </a:rPr>
+                        <a:t>Parking scenario</a:t>
                       </a:r>
                       <a:r>
                         <a:rPr lang="ko-KR" altLang="ko-KR" sz="1400" dirty="0" smtClean="0">
@@ -42706,7 +42650,31 @@
                           <a:ea typeface="Arial" charset="0"/>
                           <a:cs typeface="Arial" charset="0"/>
                         </a:rPr>
-                        <a:t>(FR19) Management scenario for owner</a:t>
+                        <a:t>(</a:t>
+                      </a:r>
+                      <a:r>
+                        <a:rPr lang="en-US" altLang="ko-KR" sz="1400" kern="1200" dirty="0" smtClean="0">
+                          <a:solidFill>
+                            <a:schemeClr val="tx1"/>
+                          </a:solidFill>
+                          <a:effectLst/>
+                          <a:latin typeface="Arial" charset="0"/>
+                          <a:ea typeface="Arial" charset="0"/>
+                          <a:cs typeface="Arial" charset="0"/>
+                        </a:rPr>
+                        <a:t>FR18) </a:t>
+                      </a:r>
+                      <a:r>
+                        <a:rPr lang="en-US" altLang="ko-KR" sz="1400" kern="1200" dirty="0" smtClean="0">
+                          <a:solidFill>
+                            <a:schemeClr val="tx1"/>
+                          </a:solidFill>
+                          <a:effectLst/>
+                          <a:latin typeface="Arial" charset="0"/>
+                          <a:ea typeface="Arial" charset="0"/>
+                          <a:cs typeface="Arial" charset="0"/>
+                        </a:rPr>
+                        <a:t>Management scenario for owner</a:t>
                       </a:r>
                       <a:r>
                         <a:rPr lang="ko-KR" altLang="ko-KR" sz="1400" dirty="0" smtClean="0">
